--- a/Kadarkuti_Marton/_ERETTSEGI_GYAKR/digk/digk_22okt/robotika.pptx
+++ b/Kadarkuti_Marton/_ERETTSEGI_GYAKR/digk/digk_22okt/robotika.pptx
@@ -5,9 +5,7 @@
     <p:sldMasterId id="2147483672" r:id="rId4"/>
   </p:sldMasterIdLst>
   <p:sldIdLst>
-    <p:sldId id="256" r:id="rId5"/>
-    <p:sldId id="258" r:id="rId6"/>
-    <p:sldId id="257" r:id="rId7"/>
+    <p:sldId id="258" r:id="rId5"/>
   </p:sldIdLst>
   <p:sldSz cx="6119813" cy="9720263"/>
   <p:notesSz cx="6858000" cy="9144000"/>
@@ -106,6 +104,11 @@
       </a:defRPr>
     </a:lvl9pPr>
   </p:defaultTextStyle>
+  <p:extLst>
+    <p:ext uri="{EFAFB233-063F-42B5-8137-9DF3F51BA10A}">
+      <p15:sldGuideLst xmlns:p15="http://schemas.microsoft.com/office/powerpoint/2012/main"/>
+    </p:ext>
+  </p:extLst>
 </p:presentation>
 </file>
 
@@ -113,17 +116,25 @@
 <pc:chgInfo xmlns:a="http://schemas.openxmlformats.org/drawingml/2006/main" xmlns:r="http://schemas.openxmlformats.org/officeDocument/2006/relationships" xmlns:ac="http://schemas.microsoft.com/office/drawing/2013/main/command" xmlns:pc="http://schemas.microsoft.com/office/powerpoint/2013/main/command">
   <pc:docChgLst>
     <pc:chgData name="Kadarkuti Márton" userId="947db05d-af6b-48e5-8029-db528bef1d00" providerId="ADAL" clId="{9CB1F50D-03B2-4581-8479-0B0D79C68659}"/>
-    <pc:docChg chg="undo custSel addSld modSld">
-      <pc:chgData name="Kadarkuti Márton" userId="947db05d-af6b-48e5-8029-db528bef1d00" providerId="ADAL" clId="{9CB1F50D-03B2-4581-8479-0B0D79C68659}" dt="2025-01-13T10:46:54.345" v="359" actId="1036"/>
+    <pc:docChg chg="undo redo custSel addSld delSld modSld">
+      <pc:chgData name="Kadarkuti Márton" userId="947db05d-af6b-48e5-8029-db528bef1d00" providerId="ADAL" clId="{9CB1F50D-03B2-4581-8479-0B0D79C68659}" dt="2025-01-16T10:57:12.226" v="1026"/>
       <pc:docMkLst>
         <pc:docMk/>
       </pc:docMkLst>
-      <pc:sldChg chg="addSp delSp modSp setBg">
-        <pc:chgData name="Kadarkuti Márton" userId="947db05d-af6b-48e5-8029-db528bef1d00" providerId="ADAL" clId="{9CB1F50D-03B2-4581-8479-0B0D79C68659}" dt="2025-01-13T10:46:54.345" v="359" actId="1036"/>
+      <pc:sldChg chg="addSp delSp modSp del setBg">
+        <pc:chgData name="Kadarkuti Márton" userId="947db05d-af6b-48e5-8029-db528bef1d00" providerId="ADAL" clId="{9CB1F50D-03B2-4581-8479-0B0D79C68659}" dt="2025-01-16T10:56:59.439" v="1021" actId="2696"/>
         <pc:sldMkLst>
           <pc:docMk/>
           <pc:sldMk cId="2340851305" sldId="256"/>
         </pc:sldMkLst>
+        <pc:spChg chg="add mod topLvl">
+          <ac:chgData name="Kadarkuti Márton" userId="947db05d-af6b-48e5-8029-db528bef1d00" providerId="ADAL" clId="{9CB1F50D-03B2-4581-8479-0B0D79C68659}" dt="2025-01-16T10:09:34.066" v="457" actId="164"/>
+          <ac:spMkLst>
+            <pc:docMk/>
+            <pc:sldMk cId="2340851305" sldId="256"/>
+            <ac:spMk id="2" creationId="{1AE1BCB7-57B3-43E5-8949-3685CBEDB30E}"/>
+          </ac:spMkLst>
+        </pc:spChg>
         <pc:spChg chg="add del mod">
           <ac:chgData name="Kadarkuti Márton" userId="947db05d-af6b-48e5-8029-db528bef1d00" providerId="ADAL" clId="{9CB1F50D-03B2-4581-8479-0B0D79C68659}" dt="2025-01-13T10:35:46.778" v="3" actId="478"/>
           <ac:spMkLst>
@@ -132,6 +143,14 @@
             <ac:spMk id="4" creationId="{73BE6810-C322-4B71-940C-784A9BB86556}"/>
           </ac:spMkLst>
         </pc:spChg>
+        <pc:spChg chg="add mod ord topLvl">
+          <ac:chgData name="Kadarkuti Márton" userId="947db05d-af6b-48e5-8029-db528bef1d00" providerId="ADAL" clId="{9CB1F50D-03B2-4581-8479-0B0D79C68659}" dt="2025-01-16T10:09:34.066" v="457" actId="164"/>
+          <ac:spMkLst>
+            <pc:docMk/>
+            <pc:sldMk cId="2340851305" sldId="256"/>
+            <ac:spMk id="4" creationId="{ED772487-19CB-4CE5-B8C5-D64F6CED7A32}"/>
+          </ac:spMkLst>
+        </pc:spChg>
         <pc:spChg chg="add del mod">
           <ac:chgData name="Kadarkuti Márton" userId="947db05d-af6b-48e5-8029-db528bef1d00" providerId="ADAL" clId="{9CB1F50D-03B2-4581-8479-0B0D79C68659}" dt="2025-01-13T10:40:49.576" v="91" actId="478"/>
           <ac:spMkLst>
@@ -140,6 +159,22 @@
             <ac:spMk id="7" creationId="{4BFCFC8F-3EB0-4A18-8698-734BCE3B905C}"/>
           </ac:spMkLst>
         </pc:spChg>
+        <pc:spChg chg="add del mod">
+          <ac:chgData name="Kadarkuti Márton" userId="947db05d-af6b-48e5-8029-db528bef1d00" providerId="ADAL" clId="{9CB1F50D-03B2-4581-8479-0B0D79C68659}" dt="2025-01-16T10:12:02.047" v="461" actId="11529"/>
+          <ac:spMkLst>
+            <pc:docMk/>
+            <pc:sldMk cId="2340851305" sldId="256"/>
+            <ac:spMk id="7" creationId="{63DD52FF-9EF6-4309-A07A-9B5E678CA000}"/>
+          </ac:spMkLst>
+        </pc:spChg>
+        <pc:spChg chg="add del mod">
+          <ac:chgData name="Kadarkuti Márton" userId="947db05d-af6b-48e5-8029-db528bef1d00" providerId="ADAL" clId="{9CB1F50D-03B2-4581-8479-0B0D79C68659}" dt="2025-01-16T10:12:49.780" v="475" actId="11529"/>
+          <ac:spMkLst>
+            <pc:docMk/>
+            <pc:sldMk cId="2340851305" sldId="256"/>
+            <ac:spMk id="8" creationId="{0522BE89-4B34-4C12-9651-89E54C99AE0B}"/>
+          </ac:spMkLst>
+        </pc:spChg>
         <pc:spChg chg="add mod">
           <ac:chgData name="Kadarkuti Márton" userId="947db05d-af6b-48e5-8029-db528bef1d00" providerId="ADAL" clId="{9CB1F50D-03B2-4581-8479-0B0D79C68659}" dt="2025-01-13T10:40:45.244" v="89"/>
           <ac:spMkLst>
@@ -149,6 +184,14 @@
           </ac:spMkLst>
         </pc:spChg>
         <pc:spChg chg="add del mod">
+          <ac:chgData name="Kadarkuti Márton" userId="947db05d-af6b-48e5-8029-db528bef1d00" providerId="ADAL" clId="{9CB1F50D-03B2-4581-8479-0B0D79C68659}" dt="2025-01-16T10:14:46.148" v="500"/>
+          <ac:spMkLst>
+            <pc:docMk/>
+            <pc:sldMk cId="2340851305" sldId="256"/>
+            <ac:spMk id="9" creationId="{87CF8441-CD39-4F98-B360-7E40671EAFD2}"/>
+          </ac:spMkLst>
+        </pc:spChg>
+        <pc:spChg chg="add del mod">
           <ac:chgData name="Kadarkuti Márton" userId="947db05d-af6b-48e5-8029-db528bef1d00" providerId="ADAL" clId="{9CB1F50D-03B2-4581-8479-0B0D79C68659}" dt="2025-01-13T10:42:39.031" v="113" actId="478"/>
           <ac:spMkLst>
             <pc:docMk/>
@@ -156,22 +199,30 @@
             <ac:spMk id="9" creationId="{DD2306C0-A5B8-42A4-9779-63BFCEE6D608}"/>
           </ac:spMkLst>
         </pc:spChg>
-        <pc:spChg chg="add mod">
-          <ac:chgData name="Kadarkuti Márton" userId="947db05d-af6b-48e5-8029-db528bef1d00" providerId="ADAL" clId="{9CB1F50D-03B2-4581-8479-0B0D79C68659}" dt="2025-01-13T10:43:48.635" v="153" actId="164"/>
+        <pc:spChg chg="add mod topLvl">
+          <ac:chgData name="Kadarkuti Márton" userId="947db05d-af6b-48e5-8029-db528bef1d00" providerId="ADAL" clId="{9CB1F50D-03B2-4581-8479-0B0D79C68659}" dt="2025-01-16T10:06:39.470" v="374" actId="165"/>
           <ac:spMkLst>
             <pc:docMk/>
             <pc:sldMk cId="2340851305" sldId="256"/>
             <ac:spMk id="10" creationId="{7009F25A-8E0E-4E32-AC61-2A3A843AAB2A}"/>
           </ac:spMkLst>
         </pc:spChg>
-        <pc:spChg chg="add mod">
-          <ac:chgData name="Kadarkuti Márton" userId="947db05d-af6b-48e5-8029-db528bef1d00" providerId="ADAL" clId="{9CB1F50D-03B2-4581-8479-0B0D79C68659}" dt="2025-01-13T10:43:48.635" v="153" actId="164"/>
+        <pc:spChg chg="add mod topLvl">
+          <ac:chgData name="Kadarkuti Márton" userId="947db05d-af6b-48e5-8029-db528bef1d00" providerId="ADAL" clId="{9CB1F50D-03B2-4581-8479-0B0D79C68659}" dt="2025-01-16T10:06:39.470" v="374" actId="165"/>
           <ac:spMkLst>
             <pc:docMk/>
             <pc:sldMk cId="2340851305" sldId="256"/>
             <ac:spMk id="11" creationId="{2B928AFB-C7D9-49F5-94AD-19CB3A132A08}"/>
           </ac:spMkLst>
         </pc:spChg>
+        <pc:spChg chg="add mod ord topLvl">
+          <ac:chgData name="Kadarkuti Márton" userId="947db05d-af6b-48e5-8029-db528bef1d00" providerId="ADAL" clId="{9CB1F50D-03B2-4581-8479-0B0D79C68659}" dt="2025-01-16T10:09:34.066" v="457" actId="164"/>
+          <ac:spMkLst>
+            <pc:docMk/>
+            <pc:sldMk cId="2340851305" sldId="256"/>
+            <ac:spMk id="12" creationId="{629DC840-2313-4B4C-AB8A-5D922B30257C}"/>
+          </ac:spMkLst>
+        </pc:spChg>
         <pc:spChg chg="add mod">
           <ac:chgData name="Kadarkuti Márton" userId="947db05d-af6b-48e5-8029-db528bef1d00" providerId="ADAL" clId="{9CB1F50D-03B2-4581-8479-0B0D79C68659}" dt="2025-01-13T10:43:43.891" v="150"/>
           <ac:spMkLst>
@@ -180,6 +231,14 @@
             <ac:spMk id="12" creationId="{EE9D71F2-568D-4658-AAE7-4DD3775E17BF}"/>
           </ac:spMkLst>
         </pc:spChg>
+        <pc:spChg chg="add del mod">
+          <ac:chgData name="Kadarkuti Márton" userId="947db05d-af6b-48e5-8029-db528bef1d00" providerId="ADAL" clId="{9CB1F50D-03B2-4581-8479-0B0D79C68659}" dt="2025-01-16T10:14:33.928" v="492" actId="767"/>
+          <ac:spMkLst>
+            <pc:docMk/>
+            <pc:sldMk cId="2340851305" sldId="256"/>
+            <ac:spMk id="13" creationId="{31D0B75C-8D33-4A01-9233-E36CF48BBC97}"/>
+          </ac:spMkLst>
+        </pc:spChg>
         <pc:spChg chg="add mod">
           <ac:chgData name="Kadarkuti Márton" userId="947db05d-af6b-48e5-8029-db528bef1d00" providerId="ADAL" clId="{9CB1F50D-03B2-4581-8479-0B0D79C68659}" dt="2025-01-13T10:43:43.891" v="150"/>
           <ac:spMkLst>
@@ -188,16 +247,128 @@
             <ac:spMk id="13" creationId="{F614F675-536A-43CF-9AA6-DC24BDB701EE}"/>
           </ac:spMkLst>
         </pc:spChg>
+        <pc:spChg chg="mod">
+          <ac:chgData name="Kadarkuti Márton" userId="947db05d-af6b-48e5-8029-db528bef1d00" providerId="ADAL" clId="{9CB1F50D-03B2-4581-8479-0B0D79C68659}" dt="2025-01-16T10:06:39.182" v="372" actId="1582"/>
+          <ac:spMkLst>
+            <pc:docMk/>
+            <pc:sldMk cId="2340851305" sldId="256"/>
+            <ac:spMk id="16" creationId="{B082E15D-C8FF-44F2-911E-9D7F6D9B9101}"/>
+          </ac:spMkLst>
+        </pc:spChg>
+        <pc:spChg chg="mod">
+          <ac:chgData name="Kadarkuti Márton" userId="947db05d-af6b-48e5-8029-db528bef1d00" providerId="ADAL" clId="{9CB1F50D-03B2-4581-8479-0B0D79C68659}" dt="2025-01-16T10:06:39.182" v="372" actId="1582"/>
+          <ac:spMkLst>
+            <pc:docMk/>
+            <pc:sldMk cId="2340851305" sldId="256"/>
+            <ac:spMk id="17" creationId="{9BFA32D7-A7A7-44FC-8E46-24EABECFC3DA}"/>
+          </ac:spMkLst>
+        </pc:spChg>
+        <pc:spChg chg="del mod topLvl">
+          <ac:chgData name="Kadarkuti Márton" userId="947db05d-af6b-48e5-8029-db528bef1d00" providerId="ADAL" clId="{9CB1F50D-03B2-4581-8479-0B0D79C68659}" dt="2025-01-16T10:12:27.659" v="467" actId="478"/>
+          <ac:spMkLst>
+            <pc:docMk/>
+            <pc:sldMk cId="2340851305" sldId="256"/>
+            <ac:spMk id="19" creationId="{37DCE413-0AB0-4041-A5ED-952C29AF67EA}"/>
+          </ac:spMkLst>
+        </pc:spChg>
+        <pc:spChg chg="del mod topLvl">
+          <ac:chgData name="Kadarkuti Márton" userId="947db05d-af6b-48e5-8029-db528bef1d00" providerId="ADAL" clId="{9CB1F50D-03B2-4581-8479-0B0D79C68659}" dt="2025-01-16T10:12:27.252" v="466" actId="478"/>
+          <ac:spMkLst>
+            <pc:docMk/>
+            <pc:sldMk cId="2340851305" sldId="256"/>
+            <ac:spMk id="20" creationId="{882090E7-C74B-4F3C-B7F9-86CE4353F7FE}"/>
+          </ac:spMkLst>
+        </pc:spChg>
+        <pc:spChg chg="add del mod topLvl">
+          <ac:chgData name="Kadarkuti Márton" userId="947db05d-af6b-48e5-8029-db528bef1d00" providerId="ADAL" clId="{9CB1F50D-03B2-4581-8479-0B0D79C68659}" dt="2025-01-16T10:14:46.148" v="500"/>
+          <ac:spMkLst>
+            <pc:docMk/>
+            <pc:sldMk cId="2340851305" sldId="256"/>
+            <ac:spMk id="21" creationId="{B34DC8DC-5BAF-44FE-9D92-D6B9C087BFC8}"/>
+          </ac:spMkLst>
+        </pc:spChg>
+        <pc:spChg chg="mod">
+          <ac:chgData name="Kadarkuti Márton" userId="947db05d-af6b-48e5-8029-db528bef1d00" providerId="ADAL" clId="{9CB1F50D-03B2-4581-8479-0B0D79C68659}" dt="2025-01-16T10:14:01.582" v="482"/>
+          <ac:spMkLst>
+            <pc:docMk/>
+            <pc:sldMk cId="2340851305" sldId="256"/>
+            <ac:spMk id="22" creationId="{A5378F42-944C-47E3-AE0D-A7DADEBD0850}"/>
+          </ac:spMkLst>
+        </pc:spChg>
+        <pc:spChg chg="mod">
+          <ac:chgData name="Kadarkuti Márton" userId="947db05d-af6b-48e5-8029-db528bef1d00" providerId="ADAL" clId="{9CB1F50D-03B2-4581-8479-0B0D79C68659}" dt="2025-01-16T10:14:26.070" v="489"/>
+          <ac:spMkLst>
+            <pc:docMk/>
+            <pc:sldMk cId="2340851305" sldId="256"/>
+            <ac:spMk id="23" creationId="{5BAD5E50-0DBF-4558-8DA1-279972EF3973}"/>
+          </ac:spMkLst>
+        </pc:spChg>
+        <pc:spChg chg="add del mod">
+          <ac:chgData name="Kadarkuti Márton" userId="947db05d-af6b-48e5-8029-db528bef1d00" providerId="ADAL" clId="{9CB1F50D-03B2-4581-8479-0B0D79C68659}" dt="2025-01-16T10:14:40.229" v="497" actId="767"/>
+          <ac:spMkLst>
+            <pc:docMk/>
+            <pc:sldMk cId="2340851305" sldId="256"/>
+            <ac:spMk id="24" creationId="{F7E67B32-07DD-4340-8A8B-E1AF0DC156FE}"/>
+          </ac:spMkLst>
+        </pc:spChg>
+        <pc:spChg chg="mod">
+          <ac:chgData name="Kadarkuti Márton" userId="947db05d-af6b-48e5-8029-db528bef1d00" providerId="ADAL" clId="{9CB1F50D-03B2-4581-8479-0B0D79C68659}" dt="2025-01-16T10:15:12.730" v="504" actId="164"/>
+          <ac:spMkLst>
+            <pc:docMk/>
+            <pc:sldMk cId="2340851305" sldId="256"/>
+            <ac:spMk id="25" creationId="{78D26CA6-E3FB-494D-874B-0F91D5150BC3}"/>
+          </ac:spMkLst>
+        </pc:spChg>
+        <pc:spChg chg="add del mod">
+          <ac:chgData name="Kadarkuti Márton" userId="947db05d-af6b-48e5-8029-db528bef1d00" providerId="ADAL" clId="{9CB1F50D-03B2-4581-8479-0B0D79C68659}" dt="2025-01-16T10:27:06.267" v="623"/>
+          <ac:spMkLst>
+            <pc:docMk/>
+            <pc:sldMk cId="2340851305" sldId="256"/>
+            <ac:spMk id="37" creationId="{D6C21885-0FDD-4981-8614-3117BF833F27}"/>
+          </ac:spMkLst>
+        </pc:spChg>
+        <pc:spChg chg="add del mod">
+          <ac:chgData name="Kadarkuti Márton" userId="947db05d-af6b-48e5-8029-db528bef1d00" providerId="ADAL" clId="{9CB1F50D-03B2-4581-8479-0B0D79C68659}" dt="2025-01-16T10:27:03.230" v="622" actId="478"/>
+          <ac:spMkLst>
+            <pc:docMk/>
+            <pc:sldMk cId="2340851305" sldId="256"/>
+            <ac:spMk id="38" creationId="{38DFB360-566F-4F5A-936E-D45F86AA47B3}"/>
+          </ac:spMkLst>
+        </pc:spChg>
         <pc:grpChg chg="add mod">
-          <ac:chgData name="Kadarkuti Márton" userId="947db05d-af6b-48e5-8029-db528bef1d00" providerId="ADAL" clId="{9CB1F50D-03B2-4581-8479-0B0D79C68659}" dt="2025-01-13T10:46:54.345" v="359" actId="1036"/>
+          <ac:chgData name="Kadarkuti Márton" userId="947db05d-af6b-48e5-8029-db528bef1d00" providerId="ADAL" clId="{9CB1F50D-03B2-4581-8479-0B0D79C68659}" dt="2025-01-16T10:06:39.031" v="371" actId="338"/>
+          <ac:grpSpMkLst>
+            <pc:docMk/>
+            <pc:sldMk cId="2340851305" sldId="256"/>
+            <ac:grpSpMk id="3" creationId="{6BFF4592-5457-494C-889C-BA10C9D3AFE8}"/>
+          </ac:grpSpMkLst>
+        </pc:grpChg>
+        <pc:grpChg chg="add del mod">
+          <ac:chgData name="Kadarkuti Márton" userId="947db05d-af6b-48e5-8029-db528bef1d00" providerId="ADAL" clId="{9CB1F50D-03B2-4581-8479-0B0D79C68659}" dt="2025-01-16T10:08:42.675" v="421" actId="164"/>
+          <ac:grpSpMkLst>
+            <pc:docMk/>
+            <pc:sldMk cId="2340851305" sldId="256"/>
+            <ac:grpSpMk id="5" creationId="{8652EBDB-8C6F-4ED8-A4C5-FE07F5BF691C}"/>
+          </ac:grpSpMkLst>
+        </pc:grpChg>
+        <pc:grpChg chg="add mod">
+          <ac:chgData name="Kadarkuti Márton" userId="947db05d-af6b-48e5-8029-db528bef1d00" providerId="ADAL" clId="{9CB1F50D-03B2-4581-8479-0B0D79C68659}" dt="2025-01-16T10:15:12.730" v="504" actId="164"/>
+          <ac:grpSpMkLst>
+            <pc:docMk/>
+            <pc:sldMk cId="2340851305" sldId="256"/>
+            <ac:grpSpMk id="6" creationId="{9C3A1B46-5D2E-4369-91B8-F319AEF3F8D8}"/>
+          </ac:grpSpMkLst>
+        </pc:grpChg>
+        <pc:grpChg chg="add del mod">
+          <ac:chgData name="Kadarkuti Márton" userId="947db05d-af6b-48e5-8029-db528bef1d00" providerId="ADAL" clId="{9CB1F50D-03B2-4581-8479-0B0D79C68659}" dt="2025-01-16T10:20:34.994" v="587"/>
           <ac:grpSpMkLst>
             <pc:docMk/>
             <pc:sldMk cId="2340851305" sldId="256"/>
             <ac:grpSpMk id="14" creationId="{99A2D376-CC77-4C63-A519-C28C406D45CA}"/>
           </ac:grpSpMkLst>
         </pc:grpChg>
-        <pc:grpChg chg="add mod">
-          <ac:chgData name="Kadarkuti Márton" userId="947db05d-af6b-48e5-8029-db528bef1d00" providerId="ADAL" clId="{9CB1F50D-03B2-4581-8479-0B0D79C68659}" dt="2025-01-13T10:46:54.345" v="359" actId="1036"/>
+        <pc:grpChg chg="add del mod">
+          <ac:chgData name="Kadarkuti Márton" userId="947db05d-af6b-48e5-8029-db528bef1d00" providerId="ADAL" clId="{9CB1F50D-03B2-4581-8479-0B0D79C68659}" dt="2025-01-16T10:20:34.994" v="587"/>
           <ac:grpSpMkLst>
             <pc:docMk/>
             <pc:sldMk cId="2340851305" sldId="256"/>
@@ -212,6 +383,38 @@
             <ac:grpSpMk id="18" creationId="{B495A099-A2FB-43A1-ACAC-09E8E78C0A02}"/>
           </ac:grpSpMkLst>
         </pc:grpChg>
+        <pc:grpChg chg="add del mod">
+          <ac:chgData name="Kadarkuti Márton" userId="947db05d-af6b-48e5-8029-db528bef1d00" providerId="ADAL" clId="{9CB1F50D-03B2-4581-8479-0B0D79C68659}" dt="2025-01-16T10:12:24.188" v="465" actId="165"/>
+          <ac:grpSpMkLst>
+            <pc:docMk/>
+            <pc:sldMk cId="2340851305" sldId="256"/>
+            <ac:grpSpMk id="18" creationId="{B63304C3-97C1-4EED-AC8D-7BB55E5A7F32}"/>
+          </ac:grpSpMkLst>
+        </pc:grpChg>
+        <pc:grpChg chg="add mod">
+          <ac:chgData name="Kadarkuti Márton" userId="947db05d-af6b-48e5-8029-db528bef1d00" providerId="ADAL" clId="{9CB1F50D-03B2-4581-8479-0B0D79C68659}" dt="2025-01-16T10:15:12.730" v="504" actId="164"/>
+          <ac:grpSpMkLst>
+            <pc:docMk/>
+            <pc:sldMk cId="2340851305" sldId="256"/>
+            <ac:grpSpMk id="26" creationId="{68B1335B-EDF2-4A1A-92D5-C0FC7380A069}"/>
+          </ac:grpSpMkLst>
+        </pc:grpChg>
+        <pc:grpChg chg="add mod">
+          <ac:chgData name="Kadarkuti Márton" userId="947db05d-af6b-48e5-8029-db528bef1d00" providerId="ADAL" clId="{9CB1F50D-03B2-4581-8479-0B0D79C68659}" dt="2025-01-16T10:15:26.548" v="508" actId="1076"/>
+          <ac:grpSpMkLst>
+            <pc:docMk/>
+            <pc:sldMk cId="2340851305" sldId="256"/>
+            <ac:grpSpMk id="27" creationId="{109E4CDD-36CF-4FD7-AD20-FEA73DD4CB80}"/>
+          </ac:grpSpMkLst>
+        </pc:grpChg>
+        <pc:grpChg chg="mod">
+          <ac:chgData name="Kadarkuti Márton" userId="947db05d-af6b-48e5-8029-db528bef1d00" providerId="ADAL" clId="{9CB1F50D-03B2-4581-8479-0B0D79C68659}" dt="2025-01-16T10:15:14.510" v="505"/>
+          <ac:grpSpMkLst>
+            <pc:docMk/>
+            <pc:sldMk cId="2340851305" sldId="256"/>
+            <ac:grpSpMk id="28" creationId="{B330176A-9EEC-49C2-9099-2C286DBB566B}"/>
+          </ac:grpSpMkLst>
+        </pc:grpChg>
         <pc:picChg chg="add del mod">
           <ac:chgData name="Kadarkuti Márton" userId="947db05d-af6b-48e5-8029-db528bef1d00" providerId="ADAL" clId="{9CB1F50D-03B2-4581-8479-0B0D79C68659}" dt="2025-01-13T10:38:40.636" v="6" actId="478"/>
           <ac:picMkLst>
@@ -228,13 +431,53 @@
             <ac:picMk id="6" creationId="{4A2F75A9-52FE-4C3C-9658-61F179981BBA}"/>
           </ac:picMkLst>
         </pc:picChg>
+        <pc:cxnChg chg="add del mod">
+          <ac:chgData name="Kadarkuti Márton" userId="947db05d-af6b-48e5-8029-db528bef1d00" providerId="ADAL" clId="{9CB1F50D-03B2-4581-8479-0B0D79C68659}" dt="2025-01-16T10:26:14.575" v="616" actId="11529"/>
+          <ac:cxnSpMkLst>
+            <pc:docMk/>
+            <pc:sldMk cId="2340851305" sldId="256"/>
+            <ac:cxnSpMk id="34" creationId="{C828450E-4A77-4AE0-AEBD-7FB319E8F96F}"/>
+          </ac:cxnSpMkLst>
+        </pc:cxnChg>
+        <pc:cxnChg chg="add mod">
+          <ac:chgData name="Kadarkuti Márton" userId="947db05d-af6b-48e5-8029-db528bef1d00" providerId="ADAL" clId="{9CB1F50D-03B2-4581-8479-0B0D79C68659}" dt="2025-01-16T10:26:11.999" v="612"/>
+          <ac:cxnSpMkLst>
+            <pc:docMk/>
+            <pc:sldMk cId="2340851305" sldId="256"/>
+            <ac:cxnSpMk id="35" creationId="{48787A43-FF40-4D56-91C9-D4397596E243}"/>
+          </ac:cxnSpMkLst>
+        </pc:cxnChg>
+        <pc:cxnChg chg="add mod">
+          <ac:chgData name="Kadarkuti Márton" userId="947db05d-af6b-48e5-8029-db528bef1d00" providerId="ADAL" clId="{9CB1F50D-03B2-4581-8479-0B0D79C68659}" dt="2025-01-16T10:26:11.615" v="610"/>
+          <ac:cxnSpMkLst>
+            <pc:docMk/>
+            <pc:sldMk cId="2340851305" sldId="256"/>
+            <ac:cxnSpMk id="36" creationId="{1CDA4E3B-1B87-47A3-A932-443C01B4683E}"/>
+          </ac:cxnSpMkLst>
+        </pc:cxnChg>
       </pc:sldChg>
-      <pc:sldChg chg="addSp delSp modSp add">
-        <pc:chgData name="Kadarkuti Márton" userId="947db05d-af6b-48e5-8029-db528bef1d00" providerId="ADAL" clId="{9CB1F50D-03B2-4581-8479-0B0D79C68659}" dt="2025-01-13T10:42:14.388" v="106" actId="1582"/>
+      <pc:sldChg chg="addSp delSp modSp add del">
+        <pc:chgData name="Kadarkuti Márton" userId="947db05d-af6b-48e5-8029-db528bef1d00" providerId="ADAL" clId="{9CB1F50D-03B2-4581-8479-0B0D79C68659}" dt="2025-01-16T10:57:00.980" v="1022" actId="2696"/>
         <pc:sldMkLst>
           <pc:docMk/>
           <pc:sldMk cId="2079256755" sldId="257"/>
         </pc:sldMkLst>
+        <pc:spChg chg="add del">
+          <ac:chgData name="Kadarkuti Márton" userId="947db05d-af6b-48e5-8029-db528bef1d00" providerId="ADAL" clId="{9CB1F50D-03B2-4581-8479-0B0D79C68659}" dt="2025-01-16T10:38:08.414" v="748"/>
+          <ac:spMkLst>
+            <pc:docMk/>
+            <pc:sldMk cId="2079256755" sldId="257"/>
+            <ac:spMk id="3" creationId="{787B7C4F-58A1-408C-A94B-7BFD5BE4B8A0}"/>
+          </ac:spMkLst>
+        </pc:spChg>
+        <pc:spChg chg="add del">
+          <ac:chgData name="Kadarkuti Márton" userId="947db05d-af6b-48e5-8029-db528bef1d00" providerId="ADAL" clId="{9CB1F50D-03B2-4581-8479-0B0D79C68659}" dt="2025-01-16T10:38:08.414" v="748"/>
+          <ac:spMkLst>
+            <pc:docMk/>
+            <pc:sldMk cId="2079256755" sldId="257"/>
+            <ac:spMk id="4" creationId="{19655FF6-D7C3-4348-9C9D-736B27919C40}"/>
+          </ac:spMkLst>
+        </pc:spChg>
         <pc:spChg chg="add del mod">
           <ac:chgData name="Kadarkuti Márton" userId="947db05d-af6b-48e5-8029-db528bef1d00" providerId="ADAL" clId="{9CB1F50D-03B2-4581-8479-0B0D79C68659}" dt="2025-01-13T10:42:14.388" v="106" actId="1582"/>
           <ac:spMkLst>
@@ -243,13 +486,755 @@
             <ac:spMk id="7" creationId="{4BFCFC8F-3EB0-4A18-8698-734BCE3B905C}"/>
           </ac:spMkLst>
         </pc:spChg>
+        <pc:picChg chg="add del">
+          <ac:chgData name="Kadarkuti Márton" userId="947db05d-af6b-48e5-8029-db528bef1d00" providerId="ADAL" clId="{9CB1F50D-03B2-4581-8479-0B0D79C68659}" dt="2025-01-16T10:50:05.226" v="971"/>
+          <ac:picMkLst>
+            <pc:docMk/>
+            <pc:sldMk cId="2079256755" sldId="257"/>
+            <ac:picMk id="5" creationId="{ABBB4A3E-08AA-4FCA-BF30-33BA2D67363C}"/>
+          </ac:picMkLst>
+        </pc:picChg>
+        <pc:picChg chg="add">
+          <ac:chgData name="Kadarkuti Márton" userId="947db05d-af6b-48e5-8029-db528bef1d00" providerId="ADAL" clId="{9CB1F50D-03B2-4581-8479-0B0D79C68659}" dt="2025-01-16T10:50:07.493" v="972"/>
+          <ac:picMkLst>
+            <pc:docMk/>
+            <pc:sldMk cId="2079256755" sldId="257"/>
+            <ac:picMk id="6" creationId="{EEDDFD3C-6ED4-4DAA-AA70-CA83D1945703}"/>
+          </ac:picMkLst>
+        </pc:picChg>
       </pc:sldChg>
-      <pc:sldChg chg="add">
-        <pc:chgData name="Kadarkuti Márton" userId="947db05d-af6b-48e5-8029-db528bef1d00" providerId="ADAL" clId="{9CB1F50D-03B2-4581-8479-0B0D79C68659}" dt="2025-01-13T10:42:36.872" v="112"/>
+      <pc:sldChg chg="addSp delSp modSp add setBg">
+        <pc:chgData name="Kadarkuti Márton" userId="947db05d-af6b-48e5-8029-db528bef1d00" providerId="ADAL" clId="{9CB1F50D-03B2-4581-8479-0B0D79C68659}" dt="2025-01-16T10:57:12.226" v="1026"/>
         <pc:sldMkLst>
           <pc:docMk/>
           <pc:sldMk cId="2837962588" sldId="258"/>
         </pc:sldMkLst>
+        <pc:spChg chg="add del mod">
+          <ac:chgData name="Kadarkuti Márton" userId="947db05d-af6b-48e5-8029-db528bef1d00" providerId="ADAL" clId="{9CB1F50D-03B2-4581-8479-0B0D79C68659}" dt="2025-01-16T10:19:47.495" v="578"/>
+          <ac:spMkLst>
+            <pc:docMk/>
+            <pc:sldMk cId="2837962588" sldId="258"/>
+            <ac:spMk id="2" creationId="{0C5BE6A3-6581-4F79-B8B3-B7346778E618}"/>
+          </ac:spMkLst>
+        </pc:spChg>
+        <pc:spChg chg="add mod ord">
+          <ac:chgData name="Kadarkuti Márton" userId="947db05d-af6b-48e5-8029-db528bef1d00" providerId="ADAL" clId="{9CB1F50D-03B2-4581-8479-0B0D79C68659}" dt="2025-01-16T10:54:58.802" v="1020" actId="164"/>
+          <ac:spMkLst>
+            <pc:docMk/>
+            <pc:sldMk cId="2837962588" sldId="258"/>
+            <ac:spMk id="3" creationId="{D3581908-0CC5-4FA5-87DF-77619B18CB6D}"/>
+          </ac:spMkLst>
+        </pc:spChg>
+        <pc:spChg chg="add mod ord">
+          <ac:chgData name="Kadarkuti Márton" userId="947db05d-af6b-48e5-8029-db528bef1d00" providerId="ADAL" clId="{9CB1F50D-03B2-4581-8479-0B0D79C68659}" dt="2025-01-16T10:54:58.802" v="1020" actId="164"/>
+          <ac:spMkLst>
+            <pc:docMk/>
+            <pc:sldMk cId="2837962588" sldId="258"/>
+            <ac:spMk id="4" creationId="{D3C7F9A0-005E-4020-B582-26F6ADB8380A}"/>
+          </ac:spMkLst>
+        </pc:spChg>
+        <pc:spChg chg="add del mod">
+          <ac:chgData name="Kadarkuti Márton" userId="947db05d-af6b-48e5-8029-db528bef1d00" providerId="ADAL" clId="{9CB1F50D-03B2-4581-8479-0B0D79C68659}" dt="2025-01-16T10:39:23.991" v="784" actId="478"/>
+          <ac:spMkLst>
+            <pc:docMk/>
+            <pc:sldMk cId="2837962588" sldId="258"/>
+            <ac:spMk id="5" creationId="{F425A6E2-41EC-428C-A51D-4FB6C70F7CF4}"/>
+          </ac:spMkLst>
+        </pc:spChg>
+        <pc:spChg chg="add mod">
+          <ac:chgData name="Kadarkuti Márton" userId="947db05d-af6b-48e5-8029-db528bef1d00" providerId="ADAL" clId="{9CB1F50D-03B2-4581-8479-0B0D79C68659}" dt="2025-01-16T10:54:58.802" v="1020" actId="164"/>
+          <ac:spMkLst>
+            <pc:docMk/>
+            <pc:sldMk cId="2837962588" sldId="258"/>
+            <ac:spMk id="6" creationId="{782AE70F-595C-4EFA-9D0E-BAE72C2B9A22}"/>
+          </ac:spMkLst>
+        </pc:spChg>
+        <pc:spChg chg="add mod">
+          <ac:chgData name="Kadarkuti Márton" userId="947db05d-af6b-48e5-8029-db528bef1d00" providerId="ADAL" clId="{9CB1F50D-03B2-4581-8479-0B0D79C68659}" dt="2025-01-16T10:54:58.802" v="1020" actId="164"/>
+          <ac:spMkLst>
+            <pc:docMk/>
+            <pc:sldMk cId="2837962588" sldId="258"/>
+            <ac:spMk id="7" creationId="{C1C06F3E-D0A9-4793-90DF-24938ADBA118}"/>
+          </ac:spMkLst>
+        </pc:spChg>
+        <pc:spChg chg="add del mod">
+          <ac:chgData name="Kadarkuti Márton" userId="947db05d-af6b-48e5-8029-db528bef1d00" providerId="ADAL" clId="{9CB1F50D-03B2-4581-8479-0B0D79C68659}" dt="2025-01-16T10:20:47.006" v="591" actId="164"/>
+          <ac:spMkLst>
+            <pc:docMk/>
+            <pc:sldMk cId="2837962588" sldId="258"/>
+            <ac:spMk id="9" creationId="{DD2306C0-A5B8-42A4-9779-63BFCEE6D608}"/>
+          </ac:spMkLst>
+        </pc:spChg>
+        <pc:spChg chg="mod ord topLvl">
+          <ac:chgData name="Kadarkuti Márton" userId="947db05d-af6b-48e5-8029-db528bef1d00" providerId="ADAL" clId="{9CB1F50D-03B2-4581-8479-0B0D79C68659}" dt="2025-01-16T10:48:03.259" v="954" actId="164"/>
+          <ac:spMkLst>
+            <pc:docMk/>
+            <pc:sldMk cId="2837962588" sldId="258"/>
+            <ac:spMk id="30" creationId="{A2464351-BDC3-4599-8017-FB32F0C60D1C}"/>
+          </ac:spMkLst>
+        </pc:spChg>
+        <pc:spChg chg="mod topLvl">
+          <ac:chgData name="Kadarkuti Márton" userId="947db05d-af6b-48e5-8029-db528bef1d00" providerId="ADAL" clId="{9CB1F50D-03B2-4581-8479-0B0D79C68659}" dt="2025-01-16T10:47:09.691" v="947" actId="164"/>
+          <ac:spMkLst>
+            <pc:docMk/>
+            <pc:sldMk cId="2837962588" sldId="258"/>
+            <ac:spMk id="31" creationId="{8E1B25BF-733E-4EF0-80B0-C9FAC1B11D3E}"/>
+          </ac:spMkLst>
+        </pc:spChg>
+        <pc:spChg chg="mod topLvl">
+          <ac:chgData name="Kadarkuti Márton" userId="947db05d-af6b-48e5-8029-db528bef1d00" providerId="ADAL" clId="{9CB1F50D-03B2-4581-8479-0B0D79C68659}" dt="2025-01-16T10:47:09.691" v="947" actId="164"/>
+          <ac:spMkLst>
+            <pc:docMk/>
+            <pc:sldMk cId="2837962588" sldId="258"/>
+            <ac:spMk id="32" creationId="{4C8016A0-C158-4813-B478-D6682C62C6A2}"/>
+          </ac:spMkLst>
+        </pc:spChg>
+        <pc:spChg chg="mod topLvl">
+          <ac:chgData name="Kadarkuti Márton" userId="947db05d-af6b-48e5-8029-db528bef1d00" providerId="ADAL" clId="{9CB1F50D-03B2-4581-8479-0B0D79C68659}" dt="2025-01-16T10:47:09.691" v="947" actId="164"/>
+          <ac:spMkLst>
+            <pc:docMk/>
+            <pc:sldMk cId="2837962588" sldId="258"/>
+            <ac:spMk id="33" creationId="{82A4DF03-4A77-40DE-A155-5813DC8FFFD4}"/>
+          </ac:spMkLst>
+        </pc:spChg>
+        <pc:spChg chg="add mod">
+          <ac:chgData name="Kadarkuti Márton" userId="947db05d-af6b-48e5-8029-db528bef1d00" providerId="ADAL" clId="{9CB1F50D-03B2-4581-8479-0B0D79C68659}" dt="2025-01-16T10:27:20.566" v="626" actId="164"/>
+          <ac:spMkLst>
+            <pc:docMk/>
+            <pc:sldMk cId="2837962588" sldId="258"/>
+            <ac:spMk id="40" creationId="{70E38D97-475B-4390-B372-294D52D7E81B}"/>
+          </ac:spMkLst>
+        </pc:spChg>
+        <pc:spChg chg="add del mod">
+          <ac:chgData name="Kadarkuti Márton" userId="947db05d-af6b-48e5-8029-db528bef1d00" providerId="ADAL" clId="{9CB1F50D-03B2-4581-8479-0B0D79C68659}" dt="2025-01-16T10:27:44.119" v="628" actId="478"/>
+          <ac:spMkLst>
+            <pc:docMk/>
+            <pc:sldMk cId="2837962588" sldId="258"/>
+            <ac:spMk id="42" creationId="{ECD3D61B-88FB-40A1-A99D-DB5E208B2F9B}"/>
+          </ac:spMkLst>
+        </pc:spChg>
+        <pc:spChg chg="add del mod">
+          <ac:chgData name="Kadarkuti Márton" userId="947db05d-af6b-48e5-8029-db528bef1d00" providerId="ADAL" clId="{9CB1F50D-03B2-4581-8479-0B0D79C68659}" dt="2025-01-16T10:27:57.456" v="630" actId="478"/>
+          <ac:spMkLst>
+            <pc:docMk/>
+            <pc:sldMk cId="2837962588" sldId="258"/>
+            <ac:spMk id="43" creationId="{D31D03B6-0B33-4017-A44F-776E38BB0EBC}"/>
+          </ac:spMkLst>
+        </pc:spChg>
+        <pc:spChg chg="add del mod">
+          <ac:chgData name="Kadarkuti Márton" userId="947db05d-af6b-48e5-8029-db528bef1d00" providerId="ADAL" clId="{9CB1F50D-03B2-4581-8479-0B0D79C68659}" dt="2025-01-16T10:28:30.967" v="633" actId="478"/>
+          <ac:spMkLst>
+            <pc:docMk/>
+            <pc:sldMk cId="2837962588" sldId="258"/>
+            <ac:spMk id="44" creationId="{216031D5-3433-4C5C-8217-FFE17D51E2CE}"/>
+          </ac:spMkLst>
+        </pc:spChg>
+        <pc:spChg chg="add del mod">
+          <ac:chgData name="Kadarkuti Márton" userId="947db05d-af6b-48e5-8029-db528bef1d00" providerId="ADAL" clId="{9CB1F50D-03B2-4581-8479-0B0D79C68659}" dt="2025-01-16T10:29:12.527" v="638" actId="478"/>
+          <ac:spMkLst>
+            <pc:docMk/>
+            <pc:sldMk cId="2837962588" sldId="258"/>
+            <ac:spMk id="45" creationId="{2399F319-A29A-494D-A97F-4C37D0D53BD3}"/>
+          </ac:spMkLst>
+        </pc:spChg>
+        <pc:spChg chg="add del mod">
+          <ac:chgData name="Kadarkuti Márton" userId="947db05d-af6b-48e5-8029-db528bef1d00" providerId="ADAL" clId="{9CB1F50D-03B2-4581-8479-0B0D79C68659}" dt="2025-01-16T10:30:30.725" v="655"/>
+          <ac:spMkLst>
+            <pc:docMk/>
+            <pc:sldMk cId="2837962588" sldId="258"/>
+            <ac:spMk id="46" creationId="{5CD97514-0FD7-4130-9D6A-030A2E1DCE47}"/>
+          </ac:spMkLst>
+        </pc:spChg>
+        <pc:spChg chg="add del mod">
+          <ac:chgData name="Kadarkuti Márton" userId="947db05d-af6b-48e5-8029-db528bef1d00" providerId="ADAL" clId="{9CB1F50D-03B2-4581-8479-0B0D79C68659}" dt="2025-01-16T10:30:30.725" v="655"/>
+          <ac:spMkLst>
+            <pc:docMk/>
+            <pc:sldMk cId="2837962588" sldId="258"/>
+            <ac:spMk id="47" creationId="{12576BD3-ED74-4F4A-AAF4-AAB1FA1356A4}"/>
+          </ac:spMkLst>
+        </pc:spChg>
+        <pc:spChg chg="del mod">
+          <ac:chgData name="Kadarkuti Márton" userId="947db05d-af6b-48e5-8029-db528bef1d00" providerId="ADAL" clId="{9CB1F50D-03B2-4581-8479-0B0D79C68659}" dt="2025-01-16T10:30:32.751" v="657" actId="478"/>
+          <ac:spMkLst>
+            <pc:docMk/>
+            <pc:sldMk cId="2837962588" sldId="258"/>
+            <ac:spMk id="48" creationId="{6CD9AC65-8577-430F-81AE-B6FE67B588D0}"/>
+          </ac:spMkLst>
+        </pc:spChg>
+        <pc:spChg chg="add mod">
+          <ac:chgData name="Kadarkuti Márton" userId="947db05d-af6b-48e5-8029-db528bef1d00" providerId="ADAL" clId="{9CB1F50D-03B2-4581-8479-0B0D79C68659}" dt="2025-01-16T10:31:47.213" v="672" actId="164"/>
+          <ac:spMkLst>
+            <pc:docMk/>
+            <pc:sldMk cId="2837962588" sldId="258"/>
+            <ac:spMk id="49" creationId="{B56FC50E-9362-43E9-96DA-316BBB792126}"/>
+          </ac:spMkLst>
+        </pc:spChg>
+        <pc:spChg chg="add mod">
+          <ac:chgData name="Kadarkuti Márton" userId="947db05d-af6b-48e5-8029-db528bef1d00" providerId="ADAL" clId="{9CB1F50D-03B2-4581-8479-0B0D79C68659}" dt="2025-01-16T10:31:47.213" v="672" actId="164"/>
+          <ac:spMkLst>
+            <pc:docMk/>
+            <pc:sldMk cId="2837962588" sldId="258"/>
+            <ac:spMk id="50" creationId="{0610C479-C1C9-44CC-B0FB-8DCFB9A3213A}"/>
+          </ac:spMkLst>
+        </pc:spChg>
+        <pc:spChg chg="add mod">
+          <ac:chgData name="Kadarkuti Márton" userId="947db05d-af6b-48e5-8029-db528bef1d00" providerId="ADAL" clId="{9CB1F50D-03B2-4581-8479-0B0D79C68659}" dt="2025-01-16T10:37:31.917" v="740"/>
+          <ac:spMkLst>
+            <pc:docMk/>
+            <pc:sldMk cId="2837962588" sldId="258"/>
+            <ac:spMk id="60" creationId="{C3D93B0E-7441-4287-898D-F9369DF597A1}"/>
+          </ac:spMkLst>
+        </pc:spChg>
+        <pc:spChg chg="add del mod">
+          <ac:chgData name="Kadarkuti Márton" userId="947db05d-af6b-48e5-8029-db528bef1d00" providerId="ADAL" clId="{9CB1F50D-03B2-4581-8479-0B0D79C68659}" dt="2025-01-16T10:39:23.439" v="783" actId="478"/>
+          <ac:spMkLst>
+            <pc:docMk/>
+            <pc:sldMk cId="2837962588" sldId="258"/>
+            <ac:spMk id="61" creationId="{76B3B360-4B4C-494F-9F4F-E3128D226ED5}"/>
+          </ac:spMkLst>
+        </pc:spChg>
+        <pc:spChg chg="add del">
+          <ac:chgData name="Kadarkuti Márton" userId="947db05d-af6b-48e5-8029-db528bef1d00" providerId="ADAL" clId="{9CB1F50D-03B2-4581-8479-0B0D79C68659}" dt="2025-01-16T10:39:30.528" v="786"/>
+          <ac:spMkLst>
+            <pc:docMk/>
+            <pc:sldMk cId="2837962588" sldId="258"/>
+            <ac:spMk id="62" creationId="{DE3E8813-F493-4BE5-936A-CEBF125A67BC}"/>
+          </ac:spMkLst>
+        </pc:spChg>
+        <pc:spChg chg="add del">
+          <ac:chgData name="Kadarkuti Márton" userId="947db05d-af6b-48e5-8029-db528bef1d00" providerId="ADAL" clId="{9CB1F50D-03B2-4581-8479-0B0D79C68659}" dt="2025-01-16T10:39:30.528" v="786"/>
+          <ac:spMkLst>
+            <pc:docMk/>
+            <pc:sldMk cId="2837962588" sldId="258"/>
+            <ac:spMk id="63" creationId="{88760ACC-359E-44D4-9540-036415F418C3}"/>
+          </ac:spMkLst>
+        </pc:spChg>
+        <pc:spChg chg="add del">
+          <ac:chgData name="Kadarkuti Márton" userId="947db05d-af6b-48e5-8029-db528bef1d00" providerId="ADAL" clId="{9CB1F50D-03B2-4581-8479-0B0D79C68659}" dt="2025-01-16T10:39:30.528" v="786"/>
+          <ac:spMkLst>
+            <pc:docMk/>
+            <pc:sldMk cId="2837962588" sldId="258"/>
+            <ac:spMk id="64" creationId="{53A7D733-800B-4D53-9537-9FD133C07649}"/>
+          </ac:spMkLst>
+        </pc:spChg>
+        <pc:spChg chg="add del mod">
+          <ac:chgData name="Kadarkuti Márton" userId="947db05d-af6b-48e5-8029-db528bef1d00" providerId="ADAL" clId="{9CB1F50D-03B2-4581-8479-0B0D79C68659}" dt="2025-01-16T10:40:23.787" v="871" actId="478"/>
+          <ac:spMkLst>
+            <pc:docMk/>
+            <pc:sldMk cId="2837962588" sldId="258"/>
+            <ac:spMk id="69" creationId="{21515018-F25D-4A43-AFE3-45F2159ACADA}"/>
+          </ac:spMkLst>
+        </pc:spChg>
+        <pc:spChg chg="add del mod">
+          <ac:chgData name="Kadarkuti Márton" userId="947db05d-af6b-48e5-8029-db528bef1d00" providerId="ADAL" clId="{9CB1F50D-03B2-4581-8479-0B0D79C68659}" dt="2025-01-16T10:44:53.374" v="897" actId="478"/>
+          <ac:spMkLst>
+            <pc:docMk/>
+            <pc:sldMk cId="2837962588" sldId="258"/>
+            <ac:spMk id="72" creationId="{01593516-8F49-452C-A21B-DB1E0C81B117}"/>
+          </ac:spMkLst>
+        </pc:spChg>
+        <pc:spChg chg="del mod topLvl">
+          <ac:chgData name="Kadarkuti Márton" userId="947db05d-af6b-48e5-8029-db528bef1d00" providerId="ADAL" clId="{9CB1F50D-03B2-4581-8479-0B0D79C68659}" dt="2025-01-16T10:45:00.533" v="901" actId="478"/>
+          <ac:spMkLst>
+            <pc:docMk/>
+            <pc:sldMk cId="2837962588" sldId="258"/>
+            <ac:spMk id="75" creationId="{4BA82C2E-5A9C-441C-8399-3A37F98A5163}"/>
+          </ac:spMkLst>
+        </pc:spChg>
+        <pc:spChg chg="add del mod ord topLvl">
+          <ac:chgData name="Kadarkuti Márton" userId="947db05d-af6b-48e5-8029-db528bef1d00" providerId="ADAL" clId="{9CB1F50D-03B2-4581-8479-0B0D79C68659}" dt="2025-01-16T10:54:34.239" v="1016" actId="164"/>
+          <ac:spMkLst>
+            <pc:docMk/>
+            <pc:sldMk cId="2837962588" sldId="258"/>
+            <ac:spMk id="76" creationId="{4D9A849B-7BC3-4A8F-AE7B-0140F584BB0A}"/>
+          </ac:spMkLst>
+        </pc:spChg>
+        <pc:spChg chg="add del mod">
+          <ac:chgData name="Kadarkuti Márton" userId="947db05d-af6b-48e5-8029-db528bef1d00" providerId="ADAL" clId="{9CB1F50D-03B2-4581-8479-0B0D79C68659}" dt="2025-01-16T10:47:20.605" v="952" actId="478"/>
+          <ac:spMkLst>
+            <pc:docMk/>
+            <pc:sldMk cId="2837962588" sldId="258"/>
+            <ac:spMk id="97" creationId="{2ED7EC3A-0469-4F3A-9BED-8B954901119C}"/>
+          </ac:spMkLst>
+        </pc:spChg>
+        <pc:spChg chg="add mod">
+          <ac:chgData name="Kadarkuti Márton" userId="947db05d-af6b-48e5-8029-db528bef1d00" providerId="ADAL" clId="{9CB1F50D-03B2-4581-8479-0B0D79C68659}" dt="2025-01-16T10:52:58.518" v="991" actId="571"/>
+          <ac:spMkLst>
+            <pc:docMk/>
+            <pc:sldMk cId="2837962588" sldId="258"/>
+            <ac:spMk id="106" creationId="{DE667108-3041-46F8-B0EA-C112471F0EBF}"/>
+          </ac:spMkLst>
+        </pc:spChg>
+        <pc:spChg chg="add mod">
+          <ac:chgData name="Kadarkuti Márton" userId="947db05d-af6b-48e5-8029-db528bef1d00" providerId="ADAL" clId="{9CB1F50D-03B2-4581-8479-0B0D79C68659}" dt="2025-01-16T10:54:34.239" v="1016" actId="164"/>
+          <ac:spMkLst>
+            <pc:docMk/>
+            <pc:sldMk cId="2837962588" sldId="258"/>
+            <ac:spMk id="110" creationId="{CB89905C-DB88-4798-8676-B830952A0583}"/>
+          </ac:spMkLst>
+        </pc:spChg>
+        <pc:spChg chg="add mod ord">
+          <ac:chgData name="Kadarkuti Márton" userId="947db05d-af6b-48e5-8029-db528bef1d00" providerId="ADAL" clId="{9CB1F50D-03B2-4581-8479-0B0D79C68659}" dt="2025-01-16T10:54:58.802" v="1020" actId="164"/>
+          <ac:spMkLst>
+            <pc:docMk/>
+            <pc:sldMk cId="2837962588" sldId="258"/>
+            <ac:spMk id="112" creationId="{07F4F040-A9C5-4432-85D0-D58F4B9B7B9C}"/>
+          </ac:spMkLst>
+        </pc:spChg>
+        <pc:grpChg chg="add mod">
+          <ac:chgData name="Kadarkuti Márton" userId="947db05d-af6b-48e5-8029-db528bef1d00" providerId="ADAL" clId="{9CB1F50D-03B2-4581-8479-0B0D79C68659}" dt="2025-01-16T10:49:53.431" v="969" actId="12789"/>
+          <ac:grpSpMkLst>
+            <pc:docMk/>
+            <pc:sldMk cId="2837962588" sldId="258"/>
+            <ac:grpSpMk id="8" creationId="{807A8693-6CA5-48F8-A4C3-AA215F5D5D6B}"/>
+          </ac:grpSpMkLst>
+        </pc:grpChg>
+        <pc:grpChg chg="add mod">
+          <ac:chgData name="Kadarkuti Márton" userId="947db05d-af6b-48e5-8029-db528bef1d00" providerId="ADAL" clId="{9CB1F50D-03B2-4581-8479-0B0D79C68659}" dt="2025-01-16T10:49:53.431" v="969" actId="12789"/>
+          <ac:grpSpMkLst>
+            <pc:docMk/>
+            <pc:sldMk cId="2837962588" sldId="258"/>
+            <ac:grpSpMk id="10" creationId="{B7EA3FC2-2603-40F2-B0D3-F42FBD80311B}"/>
+          </ac:grpSpMkLst>
+        </pc:grpChg>
+        <pc:grpChg chg="add mod">
+          <ac:chgData name="Kadarkuti Márton" userId="947db05d-af6b-48e5-8029-db528bef1d00" providerId="ADAL" clId="{9CB1F50D-03B2-4581-8479-0B0D79C68659}" dt="2025-01-16T10:49:53.431" v="969" actId="12789"/>
+          <ac:grpSpMkLst>
+            <pc:docMk/>
+            <pc:sldMk cId="2837962588" sldId="258"/>
+            <ac:grpSpMk id="13" creationId="{4B73092B-E9D3-4936-B8F3-F81CB7ED73F8}"/>
+          </ac:grpSpMkLst>
+        </pc:grpChg>
+        <pc:grpChg chg="add del">
+          <ac:chgData name="Kadarkuti Márton" userId="947db05d-af6b-48e5-8029-db528bef1d00" providerId="ADAL" clId="{9CB1F50D-03B2-4581-8479-0B0D79C68659}" dt="2025-01-16T10:21:27.673" v="594"/>
+          <ac:grpSpMkLst>
+            <pc:docMk/>
+            <pc:sldMk cId="2837962588" sldId="258"/>
+            <ac:grpSpMk id="16" creationId="{B2BE56B4-F187-4724-B324-3A966F22A9E4}"/>
+          </ac:grpSpMkLst>
+        </pc:grpChg>
+        <pc:grpChg chg="add del">
+          <ac:chgData name="Kadarkuti Márton" userId="947db05d-af6b-48e5-8029-db528bef1d00" providerId="ADAL" clId="{9CB1F50D-03B2-4581-8479-0B0D79C68659}" dt="2025-01-16T10:21:27.673" v="594"/>
+          <ac:grpSpMkLst>
+            <pc:docMk/>
+            <pc:sldMk cId="2837962588" sldId="258"/>
+            <ac:grpSpMk id="22" creationId="{DA1D890D-DE47-4B8A-86E9-CB86BCF337A3}"/>
+          </ac:grpSpMkLst>
+        </pc:grpChg>
+        <pc:grpChg chg="add del mod ord">
+          <ac:chgData name="Kadarkuti Márton" userId="947db05d-af6b-48e5-8029-db528bef1d00" providerId="ADAL" clId="{9CB1F50D-03B2-4581-8479-0B0D79C68659}" dt="2025-01-16T10:45:57.574" v="925" actId="165"/>
+          <ac:grpSpMkLst>
+            <pc:docMk/>
+            <pc:sldMk cId="2837962588" sldId="258"/>
+            <ac:grpSpMk id="28" creationId="{96990B94-1413-4C7D-8612-F01A5C44BB6B}"/>
+          </ac:grpSpMkLst>
+        </pc:grpChg>
+        <pc:grpChg chg="add del mod topLvl">
+          <ac:chgData name="Kadarkuti Márton" userId="947db05d-af6b-48e5-8029-db528bef1d00" providerId="ADAL" clId="{9CB1F50D-03B2-4581-8479-0B0D79C68659}" dt="2025-01-16T10:46:45.119" v="943" actId="165"/>
+          <ac:grpSpMkLst>
+            <pc:docMk/>
+            <pc:sldMk cId="2837962588" sldId="258"/>
+            <ac:grpSpMk id="29" creationId="{0BE1E114-E8FB-4F43-8652-4DF864D87EED}"/>
+          </ac:grpSpMkLst>
+        </pc:grpChg>
+        <pc:grpChg chg="add del mod ord">
+          <ac:chgData name="Kadarkuti Márton" userId="947db05d-af6b-48e5-8029-db528bef1d00" providerId="ADAL" clId="{9CB1F50D-03B2-4581-8479-0B0D79C68659}" dt="2025-01-16T10:46:46.998" v="944" actId="478"/>
+          <ac:grpSpMkLst>
+            <pc:docMk/>
+            <pc:sldMk cId="2837962588" sldId="258"/>
+            <ac:grpSpMk id="34" creationId="{69CD38F9-78E7-4C23-A71C-EB09C420883A}"/>
+          </ac:grpSpMkLst>
+        </pc:grpChg>
+        <pc:grpChg chg="mod">
+          <ac:chgData name="Kadarkuti Márton" userId="947db05d-af6b-48e5-8029-db528bef1d00" providerId="ADAL" clId="{9CB1F50D-03B2-4581-8479-0B0D79C68659}" dt="2025-01-16T10:21:36.770" v="597"/>
+          <ac:grpSpMkLst>
+            <pc:docMk/>
+            <pc:sldMk cId="2837962588" sldId="258"/>
+            <ac:grpSpMk id="35" creationId="{58C5C9A6-A66C-4A90-BA4F-DF01B3400BC6}"/>
+          </ac:grpSpMkLst>
+        </pc:grpChg>
+        <pc:grpChg chg="add mod">
+          <ac:chgData name="Kadarkuti Márton" userId="947db05d-af6b-48e5-8029-db528bef1d00" providerId="ADAL" clId="{9CB1F50D-03B2-4581-8479-0B0D79C68659}" dt="2025-01-16T10:54:58.802" v="1020" actId="164"/>
+          <ac:grpSpMkLst>
+            <pc:docMk/>
+            <pc:sldMk cId="2837962588" sldId="258"/>
+            <ac:grpSpMk id="41" creationId="{43CD36CC-F8DB-43C5-BDD7-5C714F69A200}"/>
+          </ac:grpSpMkLst>
+        </pc:grpChg>
+        <pc:grpChg chg="add mod">
+          <ac:chgData name="Kadarkuti Márton" userId="947db05d-af6b-48e5-8029-db528bef1d00" providerId="ADAL" clId="{9CB1F50D-03B2-4581-8479-0B0D79C68659}" dt="2025-01-16T10:32:35.613" v="690" actId="164"/>
+          <ac:grpSpMkLst>
+            <pc:docMk/>
+            <pc:sldMk cId="2837962588" sldId="258"/>
+            <ac:grpSpMk id="51" creationId="{87458C63-AF59-4BDA-8C48-B26F9147B191}"/>
+          </ac:grpSpMkLst>
+        </pc:grpChg>
+        <pc:grpChg chg="add mod">
+          <ac:chgData name="Kadarkuti Márton" userId="947db05d-af6b-48e5-8029-db528bef1d00" providerId="ADAL" clId="{9CB1F50D-03B2-4581-8479-0B0D79C68659}" dt="2025-01-16T10:32:35.613" v="690" actId="164"/>
+          <ac:grpSpMkLst>
+            <pc:docMk/>
+            <pc:sldMk cId="2837962588" sldId="258"/>
+            <ac:grpSpMk id="52" creationId="{F6741250-1FCC-40F6-A1C3-821EFA6105B1}"/>
+          </ac:grpSpMkLst>
+        </pc:grpChg>
+        <pc:grpChg chg="add mod">
+          <ac:chgData name="Kadarkuti Márton" userId="947db05d-af6b-48e5-8029-db528bef1d00" providerId="ADAL" clId="{9CB1F50D-03B2-4581-8479-0B0D79C68659}" dt="2025-01-16T10:32:35.613" v="690" actId="164"/>
+          <ac:grpSpMkLst>
+            <pc:docMk/>
+            <pc:sldMk cId="2837962588" sldId="258"/>
+            <ac:grpSpMk id="55" creationId="{7DF0A514-6096-41F8-B3FD-4377F6EF44D8}"/>
+          </ac:grpSpMkLst>
+        </pc:grpChg>
+        <pc:grpChg chg="add del mod">
+          <ac:chgData name="Kadarkuti Márton" userId="947db05d-af6b-48e5-8029-db528bef1d00" providerId="ADAL" clId="{9CB1F50D-03B2-4581-8479-0B0D79C68659}" dt="2025-01-16T10:32:28.407" v="688" actId="164"/>
+          <ac:grpSpMkLst>
+            <pc:docMk/>
+            <pc:sldMk cId="2837962588" sldId="258"/>
+            <ac:grpSpMk id="58" creationId="{4F1F10E8-396D-4DAD-A4DF-54ADDEDDFA62}"/>
+          </ac:grpSpMkLst>
+        </pc:grpChg>
+        <pc:grpChg chg="add mod">
+          <ac:chgData name="Kadarkuti Márton" userId="947db05d-af6b-48e5-8029-db528bef1d00" providerId="ADAL" clId="{9CB1F50D-03B2-4581-8479-0B0D79C68659}" dt="2025-01-16T10:54:58.802" v="1020" actId="164"/>
+          <ac:grpSpMkLst>
+            <pc:docMk/>
+            <pc:sldMk cId="2837962588" sldId="258"/>
+            <ac:grpSpMk id="59" creationId="{68E01CF5-8B4D-4152-AD71-C37EF21DA23C}"/>
+          </ac:grpSpMkLst>
+        </pc:grpChg>
+        <pc:grpChg chg="add del mod ord">
+          <ac:chgData name="Kadarkuti Márton" userId="947db05d-af6b-48e5-8029-db528bef1d00" providerId="ADAL" clId="{9CB1F50D-03B2-4581-8479-0B0D79C68659}" dt="2025-01-16T10:54:58.802" v="1020" actId="164"/>
+          <ac:grpSpMkLst>
+            <pc:docMk/>
+            <pc:sldMk cId="2837962588" sldId="258"/>
+            <ac:grpSpMk id="65" creationId="{44EB40A8-AA0A-4AFE-9C61-B4BA1A1AD2AA}"/>
+          </ac:grpSpMkLst>
+        </pc:grpChg>
+        <pc:grpChg chg="add del mod">
+          <ac:chgData name="Kadarkuti Márton" userId="947db05d-af6b-48e5-8029-db528bef1d00" providerId="ADAL" clId="{9CB1F50D-03B2-4581-8479-0B0D79C68659}" dt="2025-01-16T10:44:58.988" v="900" actId="165"/>
+          <ac:grpSpMkLst>
+            <pc:docMk/>
+            <pc:sldMk cId="2837962588" sldId="258"/>
+            <ac:grpSpMk id="73" creationId="{6CBC3BC6-BF6D-46D7-8200-497CE7D89198}"/>
+          </ac:grpSpMkLst>
+        </pc:grpChg>
+        <pc:grpChg chg="del mod topLvl">
+          <ac:chgData name="Kadarkuti Márton" userId="947db05d-af6b-48e5-8029-db528bef1d00" providerId="ADAL" clId="{9CB1F50D-03B2-4581-8479-0B0D79C68659}" dt="2025-01-16T10:45:02.468" v="902" actId="165"/>
+          <ac:grpSpMkLst>
+            <pc:docMk/>
+            <pc:sldMk cId="2837962588" sldId="258"/>
+            <ac:grpSpMk id="74" creationId="{7585CE58-6094-45CA-A1B4-C8EA6D3F19B1}"/>
+          </ac:grpSpMkLst>
+        </pc:grpChg>
+        <pc:grpChg chg="del mod topLvl">
+          <ac:chgData name="Kadarkuti Márton" userId="947db05d-af6b-48e5-8029-db528bef1d00" providerId="ADAL" clId="{9CB1F50D-03B2-4581-8479-0B0D79C68659}" dt="2025-01-16T10:45:11.845" v="908" actId="478"/>
+          <ac:grpSpMkLst>
+            <pc:docMk/>
+            <pc:sldMk cId="2837962588" sldId="258"/>
+            <ac:grpSpMk id="77" creationId="{4AB37FA3-16A7-452E-AF96-D7596B7ED6FD}"/>
+          </ac:grpSpMkLst>
+        </pc:grpChg>
+        <pc:grpChg chg="add del mod topLvl">
+          <ac:chgData name="Kadarkuti Márton" userId="947db05d-af6b-48e5-8029-db528bef1d00" providerId="ADAL" clId="{9CB1F50D-03B2-4581-8479-0B0D79C68659}" dt="2025-01-16T10:45:11.157" v="907" actId="478"/>
+          <ac:grpSpMkLst>
+            <pc:docMk/>
+            <pc:sldMk cId="2837962588" sldId="258"/>
+            <ac:grpSpMk id="78" creationId="{9E65F5B3-AEA9-476F-A2F4-CB23E666ED30}"/>
+          </ac:grpSpMkLst>
+        </pc:grpChg>
+        <pc:grpChg chg="add mod">
+          <ac:chgData name="Kadarkuti Márton" userId="947db05d-af6b-48e5-8029-db528bef1d00" providerId="ADAL" clId="{9CB1F50D-03B2-4581-8479-0B0D79C68659}" dt="2025-01-16T10:46:44.304" v="941" actId="164"/>
+          <ac:grpSpMkLst>
+            <pc:docMk/>
+            <pc:sldMk cId="2837962588" sldId="258"/>
+            <ac:grpSpMk id="83" creationId="{D5AE79C0-802B-4FFF-B9D9-C842606E5736}"/>
+          </ac:grpSpMkLst>
+        </pc:grpChg>
+        <pc:grpChg chg="add mod">
+          <ac:chgData name="Kadarkuti Márton" userId="947db05d-af6b-48e5-8029-db528bef1d00" providerId="ADAL" clId="{9CB1F50D-03B2-4581-8479-0B0D79C68659}" dt="2025-01-16T10:46:43.935" v="940" actId="164"/>
+          <ac:grpSpMkLst>
+            <pc:docMk/>
+            <pc:sldMk cId="2837962588" sldId="258"/>
+            <ac:grpSpMk id="84" creationId="{F6A810BD-AE7A-459B-9280-7231FDD64B03}"/>
+          </ac:grpSpMkLst>
+        </pc:grpChg>
+        <pc:grpChg chg="add mod">
+          <ac:chgData name="Kadarkuti Márton" userId="947db05d-af6b-48e5-8029-db528bef1d00" providerId="ADAL" clId="{9CB1F50D-03B2-4581-8479-0B0D79C68659}" dt="2025-01-16T10:46:41.406" v="938"/>
+          <ac:grpSpMkLst>
+            <pc:docMk/>
+            <pc:sldMk cId="2837962588" sldId="258"/>
+            <ac:grpSpMk id="85" creationId="{411E63B9-D672-4A2A-B247-DC377376D7D9}"/>
+          </ac:grpSpMkLst>
+        </pc:grpChg>
+        <pc:grpChg chg="mod">
+          <ac:chgData name="Kadarkuti Márton" userId="947db05d-af6b-48e5-8029-db528bef1d00" providerId="ADAL" clId="{9CB1F50D-03B2-4581-8479-0B0D79C68659}" dt="2025-01-16T10:46:41.406" v="938"/>
+          <ac:grpSpMkLst>
+            <pc:docMk/>
+            <pc:sldMk cId="2837962588" sldId="258"/>
+            <ac:grpSpMk id="86" creationId="{0AAE602A-7BB4-41B4-A2F9-F8D20A387543}"/>
+          </ac:grpSpMkLst>
+        </pc:grpChg>
+        <pc:grpChg chg="add mod">
+          <ac:chgData name="Kadarkuti Márton" userId="947db05d-af6b-48e5-8029-db528bef1d00" providerId="ADAL" clId="{9CB1F50D-03B2-4581-8479-0B0D79C68659}" dt="2025-01-16T10:46:54.839" v="946" actId="164"/>
+          <ac:grpSpMkLst>
+            <pc:docMk/>
+            <pc:sldMk cId="2837962588" sldId="258"/>
+            <ac:grpSpMk id="91" creationId="{6FB5C5E8-2C31-446C-998F-9EA995C7D842}"/>
+          </ac:grpSpMkLst>
+        </pc:grpChg>
+        <pc:grpChg chg="add mod">
+          <ac:chgData name="Kadarkuti Márton" userId="947db05d-af6b-48e5-8029-db528bef1d00" providerId="ADAL" clId="{9CB1F50D-03B2-4581-8479-0B0D79C68659}" dt="2025-01-16T10:48:03.259" v="954" actId="164"/>
+          <ac:grpSpMkLst>
+            <pc:docMk/>
+            <pc:sldMk cId="2837962588" sldId="258"/>
+            <ac:grpSpMk id="92" creationId="{C55E56A5-ECE3-4303-92DE-7DFBA77593AA}"/>
+          </ac:grpSpMkLst>
+        </pc:grpChg>
+        <pc:grpChg chg="add del mod">
+          <ac:chgData name="Kadarkuti Márton" userId="947db05d-af6b-48e5-8029-db528bef1d00" providerId="ADAL" clId="{9CB1F50D-03B2-4581-8479-0B0D79C68659}" dt="2025-01-16T10:47:20.605" v="952" actId="478"/>
+          <ac:grpSpMkLst>
+            <pc:docMk/>
+            <pc:sldMk cId="2837962588" sldId="258"/>
+            <ac:grpSpMk id="93" creationId="{A87782D1-FDFF-4D43-83A8-B356A0B8D059}"/>
+          </ac:grpSpMkLst>
+        </pc:grpChg>
+        <pc:grpChg chg="add mod">
+          <ac:chgData name="Kadarkuti Márton" userId="947db05d-af6b-48e5-8029-db528bef1d00" providerId="ADAL" clId="{9CB1F50D-03B2-4581-8479-0B0D79C68659}" dt="2025-01-16T10:54:58.802" v="1020" actId="164"/>
+          <ac:grpSpMkLst>
+            <pc:docMk/>
+            <pc:sldMk cId="2837962588" sldId="258"/>
+            <ac:grpSpMk id="98" creationId="{BC359A3F-ADD6-4272-9AAB-FA3BD454990C}"/>
+          </ac:grpSpMkLst>
+        </pc:grpChg>
+        <pc:grpChg chg="add mod">
+          <ac:chgData name="Kadarkuti Márton" userId="947db05d-af6b-48e5-8029-db528bef1d00" providerId="ADAL" clId="{9CB1F50D-03B2-4581-8479-0B0D79C68659}" dt="2025-01-16T10:54:58.802" v="1020" actId="164"/>
+          <ac:grpSpMkLst>
+            <pc:docMk/>
+            <pc:sldMk cId="2837962588" sldId="258"/>
+            <ac:grpSpMk id="99" creationId="{629D3BB0-FF6F-46DE-B0AB-2E33C99FDE9C}"/>
+          </ac:grpSpMkLst>
+        </pc:grpChg>
+        <pc:grpChg chg="mod">
+          <ac:chgData name="Kadarkuti Márton" userId="947db05d-af6b-48e5-8029-db528bef1d00" providerId="ADAL" clId="{9CB1F50D-03B2-4581-8479-0B0D79C68659}" dt="2025-01-16T10:48:05.918" v="955"/>
+          <ac:grpSpMkLst>
+            <pc:docMk/>
+            <pc:sldMk cId="2837962588" sldId="258"/>
+            <ac:grpSpMk id="100" creationId="{AA8CD721-6EED-4483-B730-F90592A9F984}"/>
+          </ac:grpSpMkLst>
+        </pc:grpChg>
+        <pc:grpChg chg="add mod">
+          <ac:chgData name="Kadarkuti Márton" userId="947db05d-af6b-48e5-8029-db528bef1d00" providerId="ADAL" clId="{9CB1F50D-03B2-4581-8479-0B0D79C68659}" dt="2025-01-16T10:54:58.802" v="1020" actId="164"/>
+          <ac:grpSpMkLst>
+            <pc:docMk/>
+            <pc:sldMk cId="2837962588" sldId="258"/>
+            <ac:grpSpMk id="111" creationId="{3A4804C0-5146-4B02-BDBF-85B38B22BD02}"/>
+          </ac:grpSpMkLst>
+        </pc:grpChg>
+        <pc:grpChg chg="add mod">
+          <ac:chgData name="Kadarkuti Márton" userId="947db05d-af6b-48e5-8029-db528bef1d00" providerId="ADAL" clId="{9CB1F50D-03B2-4581-8479-0B0D79C68659}" dt="2025-01-16T10:54:58.802" v="1020" actId="164"/>
+          <ac:grpSpMkLst>
+            <pc:docMk/>
+            <pc:sldMk cId="2837962588" sldId="258"/>
+            <ac:grpSpMk id="113" creationId="{1BBE46B5-FAD4-4DFA-8EF4-A61D3A82B01E}"/>
+          </ac:grpSpMkLst>
+        </pc:grpChg>
+        <pc:picChg chg="add del mod">
+          <ac:chgData name="Kadarkuti Márton" userId="947db05d-af6b-48e5-8029-db528bef1d00" providerId="ADAL" clId="{9CB1F50D-03B2-4581-8479-0B0D79C68659}" dt="2025-01-16T10:44:47.809" v="893"/>
+          <ac:picMkLst>
+            <pc:docMk/>
+            <pc:sldMk cId="2837962588" sldId="258"/>
+            <ac:picMk id="71" creationId="{690B8E85-25A2-4C13-B9F1-BED99C6C24D1}"/>
+          </ac:picMkLst>
+        </pc:picChg>
+        <pc:picChg chg="add mod">
+          <ac:chgData name="Kadarkuti Márton" userId="947db05d-af6b-48e5-8029-db528bef1d00" providerId="ADAL" clId="{9CB1F50D-03B2-4581-8479-0B0D79C68659}" dt="2025-01-16T10:54:34.239" v="1016" actId="164"/>
+          <ac:picMkLst>
+            <pc:docMk/>
+            <pc:sldMk cId="2837962588" sldId="258"/>
+            <ac:picMk id="105" creationId="{292D6CAF-F23F-4863-BFED-CE2E713E71D5}"/>
+          </ac:picMkLst>
+        </pc:picChg>
+        <pc:picChg chg="add mod">
+          <ac:chgData name="Kadarkuti Márton" userId="947db05d-af6b-48e5-8029-db528bef1d00" providerId="ADAL" clId="{9CB1F50D-03B2-4581-8479-0B0D79C68659}" dt="2025-01-16T10:52:58.518" v="991" actId="571"/>
+          <ac:picMkLst>
+            <pc:docMk/>
+            <pc:sldMk cId="2837962588" sldId="258"/>
+            <ac:picMk id="107" creationId="{4295DFC3-496E-4643-9C76-9D701B5D8466}"/>
+          </ac:picMkLst>
+        </pc:picChg>
+        <pc:picChg chg="add mod">
+          <ac:chgData name="Kadarkuti Márton" userId="947db05d-af6b-48e5-8029-db528bef1d00" providerId="ADAL" clId="{9CB1F50D-03B2-4581-8479-0B0D79C68659}" dt="2025-01-16T10:53:09.102" v="997" actId="571"/>
+          <ac:picMkLst>
+            <pc:docMk/>
+            <pc:sldMk cId="2837962588" sldId="258"/>
+            <ac:picMk id="108" creationId="{3BA28DE7-2412-4178-A615-6B43238B1D21}"/>
+          </ac:picMkLst>
+        </pc:picChg>
+        <pc:picChg chg="add mod">
+          <ac:chgData name="Kadarkuti Márton" userId="947db05d-af6b-48e5-8029-db528bef1d00" providerId="ADAL" clId="{9CB1F50D-03B2-4581-8479-0B0D79C68659}" dt="2025-01-16T10:53:08.815" v="996" actId="571"/>
+          <ac:picMkLst>
+            <pc:docMk/>
+            <pc:sldMk cId="2837962588" sldId="258"/>
+            <ac:picMk id="109" creationId="{F355CE7F-D49B-4D68-A41D-83696936D6A2}"/>
+          </ac:picMkLst>
+        </pc:picChg>
+      </pc:sldChg>
+      <pc:sldChg chg="addSp delSp modSp add del">
+        <pc:chgData name="Kadarkuti Márton" userId="947db05d-af6b-48e5-8029-db528bef1d00" providerId="ADAL" clId="{9CB1F50D-03B2-4581-8479-0B0D79C68659}" dt="2025-01-16T10:57:02.202" v="1023" actId="2696"/>
+        <pc:sldMkLst>
+          <pc:docMk/>
+          <pc:sldMk cId="4191120327" sldId="259"/>
+        </pc:sldMkLst>
+        <pc:spChg chg="del">
+          <ac:chgData name="Kadarkuti Márton" userId="947db05d-af6b-48e5-8029-db528bef1d00" providerId="ADAL" clId="{9CB1F50D-03B2-4581-8479-0B0D79C68659}" dt="2025-01-16T10:38:16.261" v="751" actId="478"/>
+          <ac:spMkLst>
+            <pc:docMk/>
+            <pc:sldMk cId="4191120327" sldId="259"/>
+            <ac:spMk id="2" creationId="{F391DB33-4926-4899-BAE0-3A179063FD0F}"/>
+          </ac:spMkLst>
+        </pc:spChg>
+        <pc:spChg chg="del">
+          <ac:chgData name="Kadarkuti Márton" userId="947db05d-af6b-48e5-8029-db528bef1d00" providerId="ADAL" clId="{9CB1F50D-03B2-4581-8479-0B0D79C68659}" dt="2025-01-16T10:38:17.100" v="752" actId="478"/>
+          <ac:spMkLst>
+            <pc:docMk/>
+            <pc:sldMk cId="4191120327" sldId="259"/>
+            <ac:spMk id="3" creationId="{804C5700-1362-4983-8A2D-E646F00A5659}"/>
+          </ac:spMkLst>
+        </pc:spChg>
+        <pc:spChg chg="add mod">
+          <ac:chgData name="Kadarkuti Márton" userId="947db05d-af6b-48e5-8029-db528bef1d00" providerId="ADAL" clId="{9CB1F50D-03B2-4581-8479-0B0D79C68659}" dt="2025-01-16T10:39:35.126" v="787" actId="164"/>
+          <ac:spMkLst>
+            <pc:docMk/>
+            <pc:sldMk cId="4191120327" sldId="259"/>
+            <ac:spMk id="4" creationId="{96BE7C57-72D0-4B1E-AF8D-47E679391F2F}"/>
+          </ac:spMkLst>
+        </pc:spChg>
+        <pc:spChg chg="add mod">
+          <ac:chgData name="Kadarkuti Márton" userId="947db05d-af6b-48e5-8029-db528bef1d00" providerId="ADAL" clId="{9CB1F50D-03B2-4581-8479-0B0D79C68659}" dt="2025-01-16T10:47:35.821" v="953" actId="1076"/>
+          <ac:spMkLst>
+            <pc:docMk/>
+            <pc:sldMk cId="4191120327" sldId="259"/>
+            <ac:spMk id="5" creationId="{9DCAD1CF-2A01-4264-86F2-D23BB7E2CC75}"/>
+          </ac:spMkLst>
+        </pc:spChg>
+        <pc:spChg chg="add mod ord">
+          <ac:chgData name="Kadarkuti Márton" userId="947db05d-af6b-48e5-8029-db528bef1d00" providerId="ADAL" clId="{9CB1F50D-03B2-4581-8479-0B0D79C68659}" dt="2025-01-16T10:39:35.126" v="787" actId="164"/>
+          <ac:spMkLst>
+            <pc:docMk/>
+            <pc:sldMk cId="4191120327" sldId="259"/>
+            <ac:spMk id="6" creationId="{442EF020-5D99-4E25-B395-AEE05C13F16A}"/>
+          </ac:spMkLst>
+        </pc:spChg>
+        <pc:spChg chg="add del mod">
+          <ac:chgData name="Kadarkuti Márton" userId="947db05d-af6b-48e5-8029-db528bef1d00" providerId="ADAL" clId="{9CB1F50D-03B2-4581-8479-0B0D79C68659}" dt="2025-01-16T10:49:08.845" v="964"/>
+          <ac:spMkLst>
+            <pc:docMk/>
+            <pc:sldMk cId="4191120327" sldId="259"/>
+            <ac:spMk id="8" creationId="{55A9C5D5-100F-4421-9D26-E6868E2FC236}"/>
+          </ac:spMkLst>
+        </pc:spChg>
+        <pc:spChg chg="add del mod">
+          <ac:chgData name="Kadarkuti Márton" userId="947db05d-af6b-48e5-8029-db528bef1d00" providerId="ADAL" clId="{9CB1F50D-03B2-4581-8479-0B0D79C68659}" dt="2025-01-16T10:49:08.845" v="964"/>
+          <ac:spMkLst>
+            <pc:docMk/>
+            <pc:sldMk cId="4191120327" sldId="259"/>
+            <ac:spMk id="9" creationId="{EBE6E1AB-652B-421A-AA85-3EE8BE18C4C0}"/>
+          </ac:spMkLst>
+        </pc:spChg>
+        <pc:spChg chg="del mod">
+          <ac:chgData name="Kadarkuti Márton" userId="947db05d-af6b-48e5-8029-db528bef1d00" providerId="ADAL" clId="{9CB1F50D-03B2-4581-8479-0B0D79C68659}" dt="2025-01-16T10:49:09.926" v="965" actId="478"/>
+          <ac:spMkLst>
+            <pc:docMk/>
+            <pc:sldMk cId="4191120327" sldId="259"/>
+            <ac:spMk id="10" creationId="{51FEC941-1D72-4AAE-AEBA-57181BFFCB90}"/>
+          </ac:spMkLst>
+        </pc:spChg>
+        <pc:grpChg chg="add mod">
+          <ac:chgData name="Kadarkuti Márton" userId="947db05d-af6b-48e5-8029-db528bef1d00" providerId="ADAL" clId="{9CB1F50D-03B2-4581-8479-0B0D79C68659}" dt="2025-01-16T10:39:35.126" v="787" actId="164"/>
+          <ac:grpSpMkLst>
+            <pc:docMk/>
+            <pc:sldMk cId="4191120327" sldId="259"/>
+            <ac:grpSpMk id="7" creationId="{225FEE09-62EE-4982-9C0E-22A438CF73DB}"/>
+          </ac:grpSpMkLst>
+        </pc:grpChg>
+      </pc:sldChg>
+      <pc:sldChg chg="addSp delSp modSp add del">
+        <pc:chgData name="Kadarkuti Márton" userId="947db05d-af6b-48e5-8029-db528bef1d00" providerId="ADAL" clId="{9CB1F50D-03B2-4581-8479-0B0D79C68659}" dt="2025-01-16T10:40:57.298" v="883" actId="2696"/>
+        <pc:sldMkLst>
+          <pc:docMk/>
+          <pc:sldMk cId="3675788034" sldId="260"/>
+        </pc:sldMkLst>
+        <pc:spChg chg="del">
+          <ac:chgData name="Kadarkuti Márton" userId="947db05d-af6b-48e5-8029-db528bef1d00" providerId="ADAL" clId="{9CB1F50D-03B2-4581-8479-0B0D79C68659}" dt="2025-01-16T10:40:33.331" v="873" actId="478"/>
+          <ac:spMkLst>
+            <pc:docMk/>
+            <pc:sldMk cId="3675788034" sldId="260"/>
+            <ac:spMk id="2" creationId="{8207C7CF-4EA3-47BD-B87C-4C996D942B46}"/>
+          </ac:spMkLst>
+        </pc:spChg>
+        <pc:spChg chg="del">
+          <ac:chgData name="Kadarkuti Márton" userId="947db05d-af6b-48e5-8029-db528bef1d00" providerId="ADAL" clId="{9CB1F50D-03B2-4581-8479-0B0D79C68659}" dt="2025-01-16T10:40:33.331" v="873" actId="478"/>
+          <ac:spMkLst>
+            <pc:docMk/>
+            <pc:sldMk cId="3675788034" sldId="260"/>
+            <ac:spMk id="3" creationId="{11D21A13-0A91-408B-851C-6278152DFAA2}"/>
+          </ac:spMkLst>
+        </pc:spChg>
+        <pc:spChg chg="mod topLvl">
+          <ac:chgData name="Kadarkuti Márton" userId="947db05d-af6b-48e5-8029-db528bef1d00" providerId="ADAL" clId="{9CB1F50D-03B2-4581-8479-0B0D79C68659}" dt="2025-01-16T10:40:46.739" v="881" actId="1076"/>
+          <ac:spMkLst>
+            <pc:docMk/>
+            <pc:sldMk cId="3675788034" sldId="260"/>
+            <ac:spMk id="12" creationId="{F08FC654-223F-4684-848B-C88102F839E1}"/>
+          </ac:spMkLst>
+        </pc:spChg>
+        <pc:spChg chg="mod topLvl">
+          <ac:chgData name="Kadarkuti Márton" userId="947db05d-af6b-48e5-8029-db528bef1d00" providerId="ADAL" clId="{9CB1F50D-03B2-4581-8479-0B0D79C68659}" dt="2025-01-16T10:40:45.345" v="880" actId="165"/>
+          <ac:spMkLst>
+            <pc:docMk/>
+            <pc:sldMk cId="3675788034" sldId="260"/>
+            <ac:spMk id="13" creationId="{639AF93F-490A-4C42-B77E-E2A6C45274AB}"/>
+          </ac:spMkLst>
+        </pc:spChg>
+        <pc:spChg chg="add mod">
+          <ac:chgData name="Kadarkuti Márton" userId="947db05d-af6b-48e5-8029-db528bef1d00" providerId="ADAL" clId="{9CB1F50D-03B2-4581-8479-0B0D79C68659}" dt="2025-01-16T10:40:53.508" v="882" actId="11529"/>
+          <ac:spMkLst>
+            <pc:docMk/>
+            <pc:sldMk cId="3675788034" sldId="260"/>
+            <ac:spMk id="14" creationId="{95CC285E-D7E8-4D85-9E12-B73B06DFF9AD}"/>
+          </ac:spMkLst>
+        </pc:spChg>
+        <pc:grpChg chg="add del">
+          <ac:chgData name="Kadarkuti Márton" userId="947db05d-af6b-48e5-8029-db528bef1d00" providerId="ADAL" clId="{9CB1F50D-03B2-4581-8479-0B0D79C68659}" dt="2025-01-16T10:40:37.530" v="875" actId="165"/>
+          <ac:grpSpMkLst>
+            <pc:docMk/>
+            <pc:sldMk cId="3675788034" sldId="260"/>
+            <ac:grpSpMk id="4" creationId="{352B042D-65F4-424D-B44F-424F35818872}"/>
+          </ac:grpSpMkLst>
+        </pc:grpChg>
+        <pc:grpChg chg="del mod topLvl">
+          <ac:chgData name="Kadarkuti Márton" userId="947db05d-af6b-48e5-8029-db528bef1d00" providerId="ADAL" clId="{9CB1F50D-03B2-4581-8479-0B0D79C68659}" dt="2025-01-16T10:40:45.345" v="880" actId="165"/>
+          <ac:grpSpMkLst>
+            <pc:docMk/>
+            <pc:sldMk cId="3675788034" sldId="260"/>
+            <ac:grpSpMk id="5" creationId="{F60403F5-586C-4A09-85BE-AA64DFF3BD10}"/>
+          </ac:grpSpMkLst>
+        </pc:grpChg>
+        <pc:grpChg chg="mod topLvl">
+          <ac:chgData name="Kadarkuti Márton" userId="947db05d-af6b-48e5-8029-db528bef1d00" providerId="ADAL" clId="{9CB1F50D-03B2-4581-8479-0B0D79C68659}" dt="2025-01-16T10:40:37.530" v="875" actId="165"/>
+          <ac:grpSpMkLst>
+            <pc:docMk/>
+            <pc:sldMk cId="3675788034" sldId="260"/>
+            <ac:grpSpMk id="6" creationId="{5C164773-E45A-411D-9FC3-444313D3D5F8}"/>
+          </ac:grpSpMkLst>
+        </pc:grpChg>
+        <pc:grpChg chg="mod topLvl">
+          <ac:chgData name="Kadarkuti Márton" userId="947db05d-af6b-48e5-8029-db528bef1d00" providerId="ADAL" clId="{9CB1F50D-03B2-4581-8479-0B0D79C68659}" dt="2025-01-16T10:40:37.530" v="875" actId="165"/>
+          <ac:grpSpMkLst>
+            <pc:docMk/>
+            <pc:sldMk cId="3675788034" sldId="260"/>
+            <ac:grpSpMk id="7" creationId="{6365327D-6ACC-4F0D-950D-B7B577B5D9BF}"/>
+          </ac:grpSpMkLst>
+        </pc:grpChg>
       </pc:sldChg>
     </pc:docChg>
   </pc:docChgLst>
@@ -387,7 +1372,7 @@
           <a:p>
             <a:fld id="{18055975-1102-4029-AE53-C0F17DECBAE3}" type="datetimeFigureOut">
               <a:rPr lang="hu-HU" smtClean="0"/>
-              <a:t>2025. 01. 13.</a:t>
+              <a:t>2025. 01. 16.</a:t>
             </a:fld>
             <a:endParaRPr lang="hu-HU"/>
           </a:p>
@@ -557,7 +1542,7 @@
           <a:p>
             <a:fld id="{18055975-1102-4029-AE53-C0F17DECBAE3}" type="datetimeFigureOut">
               <a:rPr lang="hu-HU" smtClean="0"/>
-              <a:t>2025. 01. 13.</a:t>
+              <a:t>2025. 01. 16.</a:t>
             </a:fld>
             <a:endParaRPr lang="hu-HU"/>
           </a:p>
@@ -737,7 +1722,7 @@
           <a:p>
             <a:fld id="{18055975-1102-4029-AE53-C0F17DECBAE3}" type="datetimeFigureOut">
               <a:rPr lang="hu-HU" smtClean="0"/>
-              <a:t>2025. 01. 13.</a:t>
+              <a:t>2025. 01. 16.</a:t>
             </a:fld>
             <a:endParaRPr lang="hu-HU"/>
           </a:p>
@@ -907,7 +1892,7 @@
           <a:p>
             <a:fld id="{18055975-1102-4029-AE53-C0F17DECBAE3}" type="datetimeFigureOut">
               <a:rPr lang="hu-HU" smtClean="0"/>
-              <a:t>2025. 01. 13.</a:t>
+              <a:t>2025. 01. 16.</a:t>
             </a:fld>
             <a:endParaRPr lang="hu-HU"/>
           </a:p>
@@ -1151,7 +2136,7 @@
           <a:p>
             <a:fld id="{18055975-1102-4029-AE53-C0F17DECBAE3}" type="datetimeFigureOut">
               <a:rPr lang="hu-HU" smtClean="0"/>
-              <a:t>2025. 01. 13.</a:t>
+              <a:t>2025. 01. 16.</a:t>
             </a:fld>
             <a:endParaRPr lang="hu-HU"/>
           </a:p>
@@ -1383,7 +2368,7 @@
           <a:p>
             <a:fld id="{18055975-1102-4029-AE53-C0F17DECBAE3}" type="datetimeFigureOut">
               <a:rPr lang="hu-HU" smtClean="0"/>
-              <a:t>2025. 01. 13.</a:t>
+              <a:t>2025. 01. 16.</a:t>
             </a:fld>
             <a:endParaRPr lang="hu-HU"/>
           </a:p>
@@ -1750,7 +2735,7 @@
           <a:p>
             <a:fld id="{18055975-1102-4029-AE53-C0F17DECBAE3}" type="datetimeFigureOut">
               <a:rPr lang="hu-HU" smtClean="0"/>
-              <a:t>2025. 01. 13.</a:t>
+              <a:t>2025. 01. 16.</a:t>
             </a:fld>
             <a:endParaRPr lang="hu-HU"/>
           </a:p>
@@ -1868,7 +2853,7 @@
           <a:p>
             <a:fld id="{18055975-1102-4029-AE53-C0F17DECBAE3}" type="datetimeFigureOut">
               <a:rPr lang="hu-HU" smtClean="0"/>
-              <a:t>2025. 01. 13.</a:t>
+              <a:t>2025. 01. 16.</a:t>
             </a:fld>
             <a:endParaRPr lang="hu-HU"/>
           </a:p>
@@ -1963,7 +2948,7 @@
           <a:p>
             <a:fld id="{18055975-1102-4029-AE53-C0F17DECBAE3}" type="datetimeFigureOut">
               <a:rPr lang="hu-HU" smtClean="0"/>
-              <a:t>2025. 01. 13.</a:t>
+              <a:t>2025. 01. 16.</a:t>
             </a:fld>
             <a:endParaRPr lang="hu-HU"/>
           </a:p>
@@ -2240,7 +3225,7 @@
           <a:p>
             <a:fld id="{18055975-1102-4029-AE53-C0F17DECBAE3}" type="datetimeFigureOut">
               <a:rPr lang="hu-HU" smtClean="0"/>
-              <a:t>2025. 01. 13.</a:t>
+              <a:t>2025. 01. 16.</a:t>
             </a:fld>
             <a:endParaRPr lang="hu-HU"/>
           </a:p>
@@ -2497,7 +3482,7 @@
           <a:p>
             <a:fld id="{18055975-1102-4029-AE53-C0F17DECBAE3}" type="datetimeFigureOut">
               <a:rPr lang="hu-HU" smtClean="0"/>
-              <a:t>2025. 01. 13.</a:t>
+              <a:t>2025. 01. 16.</a:t>
             </a:fld>
             <a:endParaRPr lang="hu-HU"/>
           </a:p>
@@ -2710,7 +3695,7 @@
           <a:p>
             <a:fld id="{18055975-1102-4029-AE53-C0F17DECBAE3}" type="datetimeFigureOut">
               <a:rPr lang="hu-HU" smtClean="0"/>
-              <a:t>2025. 01. 13.</a:t>
+              <a:t>2025. 01. 16.</a:t>
             </a:fld>
             <a:endParaRPr lang="hu-HU"/>
           </a:p>
@@ -3105,7 +4090,7 @@
       <p:bgPr>
         <a:blipFill dpi="0" rotWithShape="1">
           <a:blip r:embed="rId2">
-            <a:alphaModFix amt="36000"/>
+            <a:alphaModFix amt="0"/>
             <a:lum/>
           </a:blip>
           <a:srcRect/>
@@ -3132,10 +4117,10 @@
       </p:grpSpPr>
       <p:grpSp>
         <p:nvGrpSpPr>
-          <p:cNvPr id="14" name="Csoportba foglalás 13">
+          <p:cNvPr id="113" name="Csoportba foglalás 112">
             <a:extLst>
               <a:ext uri="{FF2B5EF4-FFF2-40B4-BE49-F238E27FC236}">
-                <a16:creationId xmlns:a16="http://schemas.microsoft.com/office/drawing/2014/main" id="{99A2D376-CC77-4C63-A519-C28C406D45CA}"/>
+                <a16:creationId xmlns:a16="http://schemas.microsoft.com/office/drawing/2014/main" id="{1BBE46B5-FAD4-4DFA-8EF4-A61D3A82B01E}"/>
               </a:ext>
             </a:extLst>
           </p:cNvPr>
@@ -3144,18 +4129,18 @@
         </p:nvGrpSpPr>
         <p:grpSpPr>
           <a:xfrm>
-            <a:off x="2074666" y="2355056"/>
-            <a:ext cx="781050" cy="781050"/>
-            <a:chOff x="1152525" y="2300287"/>
-            <a:chExt cx="781050" cy="781050"/>
+            <a:off x="-187" y="263"/>
+            <a:ext cx="6120000" cy="9720000"/>
+            <a:chOff x="-187" y="263"/>
+            <a:chExt cx="6120000" cy="9720000"/>
           </a:xfrm>
         </p:grpSpPr>
         <p:sp>
           <p:nvSpPr>
-            <p:cNvPr id="10" name="Ellipszis 9">
+            <p:cNvPr id="112" name="Téglalap 111">
               <a:extLst>
                 <a:ext uri="{FF2B5EF4-FFF2-40B4-BE49-F238E27FC236}">
-                  <a16:creationId xmlns:a16="http://schemas.microsoft.com/office/drawing/2014/main" id="{7009F25A-8E0E-4E32-AC61-2A3A843AAB2A}"/>
+                  <a16:creationId xmlns:a16="http://schemas.microsoft.com/office/drawing/2014/main" id="{07F4F040-A9C5-4432-85D0-D58F4B9B7B9C}"/>
                 </a:ext>
               </a:extLst>
             </p:cNvPr>
@@ -3164,16 +4149,16 @@
           </p:nvSpPr>
           <p:spPr>
             <a:xfrm>
-              <a:off x="1152525" y="2300287"/>
-              <a:ext cx="781050" cy="781050"/>
+              <a:off x="-187" y="263"/>
+              <a:ext cx="6120000" cy="9720000"/>
             </a:xfrm>
-            <a:prstGeom prst="ellipse">
+            <a:prstGeom prst="rect">
               <a:avLst/>
             </a:prstGeom>
             <a:solidFill>
               <a:schemeClr val="bg1"/>
             </a:solidFill>
-            <a:ln w="28575">
+            <a:ln w="38100">
               <a:solidFill>
                 <a:schemeClr val="tx1"/>
               </a:solidFill>
@@ -3206,10 +4191,10 @@
         </p:sp>
         <p:sp>
           <p:nvSpPr>
-            <p:cNvPr id="11" name="Ellipszis 10">
+            <p:cNvPr id="3" name="Téglalap 2">
               <a:extLst>
                 <a:ext uri="{FF2B5EF4-FFF2-40B4-BE49-F238E27FC236}">
-                  <a16:creationId xmlns:a16="http://schemas.microsoft.com/office/drawing/2014/main" id="{2B928AFB-C7D9-49F5-94AD-19CB3A132A08}"/>
+                  <a16:creationId xmlns:a16="http://schemas.microsoft.com/office/drawing/2014/main" id="{D3581908-0CC5-4FA5-87DF-77619B18CB6D}"/>
                 </a:ext>
               </a:extLst>
             </p:cNvPr>
@@ -3218,89 +4203,16 @@
           </p:nvSpPr>
           <p:spPr>
             <a:xfrm>
-              <a:off x="1347788" y="2652712"/>
-              <a:ext cx="390525" cy="390525"/>
+              <a:off x="2534922" y="3853066"/>
+              <a:ext cx="1075372" cy="955154"/>
             </a:xfrm>
-            <a:prstGeom prst="ellipse">
+            <a:prstGeom prst="rect">
               <a:avLst/>
             </a:prstGeom>
             <a:solidFill>
-              <a:schemeClr val="tx1"/>
+              <a:srgbClr val="CCCCCC"/>
             </a:solidFill>
-            <a:ln w="28575">
-              <a:noFill/>
-            </a:ln>
-          </p:spPr>
-          <p:style>
-            <a:lnRef idx="2">
-              <a:schemeClr val="accent1">
-                <a:shade val="50000"/>
-              </a:schemeClr>
-            </a:lnRef>
-            <a:fillRef idx="1">
-              <a:schemeClr val="accent1"/>
-            </a:fillRef>
-            <a:effectRef idx="0">
-              <a:schemeClr val="accent1"/>
-            </a:effectRef>
-            <a:fontRef idx="minor">
-              <a:schemeClr val="lt1"/>
-            </a:fontRef>
-          </p:style>
-          <p:txBody>
-            <a:bodyPr rtlCol="0" anchor="ctr"/>
-            <a:lstStyle/>
-            <a:p>
-              <a:pPr algn="ctr"/>
-              <a:endParaRPr lang="hu-HU"/>
-            </a:p>
-          </p:txBody>
-        </p:sp>
-      </p:grpSp>
-      <p:grpSp>
-        <p:nvGrpSpPr>
-          <p:cNvPr id="15" name="Csoportba foglalás 14">
-            <a:extLst>
-              <a:ext uri="{FF2B5EF4-FFF2-40B4-BE49-F238E27FC236}">
-                <a16:creationId xmlns:a16="http://schemas.microsoft.com/office/drawing/2014/main" id="{8B02AAAA-E1D3-4E78-8FA2-686AB9683963}"/>
-              </a:ext>
-            </a:extLst>
-          </p:cNvPr>
-          <p:cNvGrpSpPr/>
-          <p:nvPr/>
-        </p:nvGrpSpPr>
-        <p:grpSpPr>
-          <a:xfrm>
-            <a:off x="3203379" y="2355056"/>
-            <a:ext cx="781050" cy="781050"/>
-            <a:chOff x="1152525" y="2300287"/>
-            <a:chExt cx="781050" cy="781050"/>
-          </a:xfrm>
-        </p:grpSpPr>
-        <p:sp>
-          <p:nvSpPr>
-            <p:cNvPr id="16" name="Ellipszis 15">
-              <a:extLst>
-                <a:ext uri="{FF2B5EF4-FFF2-40B4-BE49-F238E27FC236}">
-                  <a16:creationId xmlns:a16="http://schemas.microsoft.com/office/drawing/2014/main" id="{B082E15D-C8FF-44F2-911E-9D7F6D9B9101}"/>
-                </a:ext>
-              </a:extLst>
-            </p:cNvPr>
-            <p:cNvSpPr/>
-            <p:nvPr/>
-          </p:nvSpPr>
-          <p:spPr>
-            <a:xfrm>
-              <a:off x="1152525" y="2300287"/>
-              <a:ext cx="781050" cy="781050"/>
-            </a:xfrm>
-            <a:prstGeom prst="ellipse">
-              <a:avLst/>
-            </a:prstGeom>
-            <a:solidFill>
-              <a:schemeClr val="bg1"/>
-            </a:solidFill>
-            <a:ln w="28575">
+            <a:ln w="38100">
               <a:solidFill>
                 <a:schemeClr val="tx1"/>
               </a:solidFill>
@@ -3333,10 +4245,10 @@
         </p:sp>
         <p:sp>
           <p:nvSpPr>
-            <p:cNvPr id="17" name="Ellipszis 16">
+            <p:cNvPr id="6" name="Háromszög 5">
               <a:extLst>
                 <a:ext uri="{FF2B5EF4-FFF2-40B4-BE49-F238E27FC236}">
-                  <a16:creationId xmlns:a16="http://schemas.microsoft.com/office/drawing/2014/main" id="{9BFA32D7-A7A7-44FC-8E46-24EABECFC3DA}"/>
+                  <a16:creationId xmlns:a16="http://schemas.microsoft.com/office/drawing/2014/main" id="{782AE70F-595C-4EFA-9D0E-BAE72C2B9A22}"/>
                 </a:ext>
               </a:extLst>
             </p:cNvPr>
@@ -3345,17 +4257,19 @@
           </p:nvSpPr>
           <p:spPr>
             <a:xfrm>
-              <a:off x="1347788" y="2652712"/>
-              <a:ext cx="390525" cy="390525"/>
+              <a:off x="2894742" y="1126108"/>
+              <a:ext cx="355732" cy="955154"/>
             </a:xfrm>
-            <a:prstGeom prst="ellipse">
+            <a:prstGeom prst="triangle">
               <a:avLst/>
             </a:prstGeom>
             <a:solidFill>
-              <a:schemeClr val="tx1"/>
+              <a:srgbClr val="CCCCCC"/>
             </a:solidFill>
-            <a:ln w="28575">
-              <a:noFill/>
+            <a:ln w="38100">
+              <a:solidFill>
+                <a:schemeClr val="tx1"/>
+              </a:solidFill>
             </a:ln>
           </p:spPr>
           <p:style>
@@ -3383,209 +4297,2078 @@
             </a:p>
           </p:txBody>
         </p:sp>
+        <p:sp>
+          <p:nvSpPr>
+            <p:cNvPr id="7" name="Ellipszis 6">
+              <a:extLst>
+                <a:ext uri="{FF2B5EF4-FFF2-40B4-BE49-F238E27FC236}">
+                  <a16:creationId xmlns:a16="http://schemas.microsoft.com/office/drawing/2014/main" id="{C1C06F3E-D0A9-4793-90DF-24938ADBA118}"/>
+                </a:ext>
+              </a:extLst>
+            </p:cNvPr>
+            <p:cNvSpPr/>
+            <p:nvPr/>
+          </p:nvSpPr>
+          <p:spPr>
+            <a:xfrm>
+              <a:off x="2789003" y="704390"/>
+              <a:ext cx="567210" cy="567210"/>
+            </a:xfrm>
+            <a:prstGeom prst="ellipse">
+              <a:avLst/>
+            </a:prstGeom>
+            <a:solidFill>
+              <a:srgbClr val="008080"/>
+            </a:solidFill>
+            <a:ln w="38100">
+              <a:solidFill>
+                <a:schemeClr val="tx1"/>
+              </a:solidFill>
+            </a:ln>
+          </p:spPr>
+          <p:style>
+            <a:lnRef idx="2">
+              <a:schemeClr val="accent1">
+                <a:shade val="50000"/>
+              </a:schemeClr>
+            </a:lnRef>
+            <a:fillRef idx="1">
+              <a:schemeClr val="accent1"/>
+            </a:fillRef>
+            <a:effectRef idx="0">
+              <a:schemeClr val="accent1"/>
+            </a:effectRef>
+            <a:fontRef idx="minor">
+              <a:schemeClr val="lt1"/>
+            </a:fontRef>
+          </p:style>
+          <p:txBody>
+            <a:bodyPr rtlCol="0" anchor="ctr"/>
+            <a:lstStyle/>
+            <a:p>
+              <a:pPr algn="ctr"/>
+              <a:endParaRPr lang="hu-HU"/>
+            </a:p>
+          </p:txBody>
+        </p:sp>
+        <p:grpSp>
+          <p:nvGrpSpPr>
+            <p:cNvPr id="41" name="Csoportba foglalás 40">
+              <a:extLst>
+                <a:ext uri="{FF2B5EF4-FFF2-40B4-BE49-F238E27FC236}">
+                  <a16:creationId xmlns:a16="http://schemas.microsoft.com/office/drawing/2014/main" id="{43CD36CC-F8DB-43C5-BDD7-5C714F69A200}"/>
+                </a:ext>
+              </a:extLst>
+            </p:cNvPr>
+            <p:cNvGrpSpPr/>
+            <p:nvPr/>
+          </p:nvGrpSpPr>
+          <p:grpSpPr>
+            <a:xfrm>
+              <a:off x="1272608" y="1938565"/>
+              <a:ext cx="3600000" cy="2077200"/>
+              <a:chOff x="1246697" y="1938565"/>
+              <a:chExt cx="3600000" cy="2077200"/>
+            </a:xfrm>
+          </p:grpSpPr>
+          <p:grpSp>
+            <p:nvGrpSpPr>
+              <p:cNvPr id="8" name="Csoportba foglalás 7">
+                <a:extLst>
+                  <a:ext uri="{FF2B5EF4-FFF2-40B4-BE49-F238E27FC236}">
+                    <a16:creationId xmlns:a16="http://schemas.microsoft.com/office/drawing/2014/main" id="{807A8693-6CA5-48F8-A4C3-AA215F5D5D6B}"/>
+                  </a:ext>
+                </a:extLst>
+              </p:cNvPr>
+              <p:cNvGrpSpPr/>
+              <p:nvPr/>
+            </p:nvGrpSpPr>
+            <p:grpSpPr>
+              <a:xfrm>
+                <a:off x="1246697" y="1938565"/>
+                <a:ext cx="3600000" cy="2077200"/>
+                <a:chOff x="1259906" y="1938565"/>
+                <a:chExt cx="3600000" cy="2077200"/>
+              </a:xfrm>
+            </p:grpSpPr>
+            <p:sp>
+              <p:nvSpPr>
+                <p:cNvPr id="9" name="Téglalap: lekerekített 8">
+                  <a:extLst>
+                    <a:ext uri="{FF2B5EF4-FFF2-40B4-BE49-F238E27FC236}">
+                      <a16:creationId xmlns:a16="http://schemas.microsoft.com/office/drawing/2014/main" id="{DD2306C0-A5B8-42A4-9779-63BFCEE6D608}"/>
+                    </a:ext>
+                  </a:extLst>
+                </p:cNvPr>
+                <p:cNvSpPr/>
+                <p:nvPr/>
+              </p:nvSpPr>
+              <p:spPr>
+                <a:xfrm>
+                  <a:off x="1259906" y="1938565"/>
+                  <a:ext cx="3600000" cy="2077200"/>
+                </a:xfrm>
+                <a:prstGeom prst="roundRect">
+                  <a:avLst/>
+                </a:prstGeom>
+                <a:solidFill>
+                  <a:srgbClr val="CCCCCC"/>
+                </a:solidFill>
+                <a:ln w="38100">
+                  <a:solidFill>
+                    <a:schemeClr val="tx1"/>
+                  </a:solidFill>
+                </a:ln>
+              </p:spPr>
+              <p:style>
+                <a:lnRef idx="2">
+                  <a:schemeClr val="accent1">
+                    <a:shade val="50000"/>
+                  </a:schemeClr>
+                </a:lnRef>
+                <a:fillRef idx="1">
+                  <a:schemeClr val="accent1"/>
+                </a:fillRef>
+                <a:effectRef idx="0">
+                  <a:schemeClr val="accent1"/>
+                </a:effectRef>
+                <a:fontRef idx="minor">
+                  <a:schemeClr val="lt1"/>
+                </a:fontRef>
+              </p:style>
+              <p:txBody>
+                <a:bodyPr rtlCol="0" anchor="ctr"/>
+                <a:lstStyle/>
+                <a:p>
+                  <a:pPr algn="ctr"/>
+                  <a:endParaRPr lang="hu-HU"/>
+                </a:p>
+              </p:txBody>
+            </p:sp>
+            <p:grpSp>
+              <p:nvGrpSpPr>
+                <p:cNvPr id="10" name="Csoportba foglalás 9">
+                  <a:extLst>
+                    <a:ext uri="{FF2B5EF4-FFF2-40B4-BE49-F238E27FC236}">
+                      <a16:creationId xmlns:a16="http://schemas.microsoft.com/office/drawing/2014/main" id="{B7EA3FC2-2603-40F2-B0D3-F42FBD80311B}"/>
+                    </a:ext>
+                  </a:extLst>
+                </p:cNvPr>
+                <p:cNvGrpSpPr/>
+                <p:nvPr/>
+              </p:nvGrpSpPr>
+              <p:grpSpPr>
+                <a:xfrm>
+                  <a:off x="2074666" y="2355056"/>
+                  <a:ext cx="781050" cy="781050"/>
+                  <a:chOff x="1152525" y="2300287"/>
+                  <a:chExt cx="781050" cy="781050"/>
+                </a:xfrm>
+              </p:grpSpPr>
+              <p:sp>
+                <p:nvSpPr>
+                  <p:cNvPr id="11" name="Ellipszis 10">
+                    <a:extLst>
+                      <a:ext uri="{FF2B5EF4-FFF2-40B4-BE49-F238E27FC236}">
+                        <a16:creationId xmlns:a16="http://schemas.microsoft.com/office/drawing/2014/main" id="{9CD42812-F82F-4719-87A3-1350F9241EA0}"/>
+                      </a:ext>
+                    </a:extLst>
+                  </p:cNvPr>
+                  <p:cNvSpPr/>
+                  <p:nvPr/>
+                </p:nvSpPr>
+                <p:spPr>
+                  <a:xfrm>
+                    <a:off x="1152525" y="2300287"/>
+                    <a:ext cx="781050" cy="781050"/>
+                  </a:xfrm>
+                  <a:prstGeom prst="ellipse">
+                    <a:avLst/>
+                  </a:prstGeom>
+                  <a:solidFill>
+                    <a:schemeClr val="bg1"/>
+                  </a:solidFill>
+                  <a:ln w="28575">
+                    <a:solidFill>
+                      <a:schemeClr val="tx1"/>
+                    </a:solidFill>
+                  </a:ln>
+                </p:spPr>
+                <p:style>
+                  <a:lnRef idx="2">
+                    <a:schemeClr val="accent1">
+                      <a:shade val="50000"/>
+                    </a:schemeClr>
+                  </a:lnRef>
+                  <a:fillRef idx="1">
+                    <a:schemeClr val="accent1"/>
+                  </a:fillRef>
+                  <a:effectRef idx="0">
+                    <a:schemeClr val="accent1"/>
+                  </a:effectRef>
+                  <a:fontRef idx="minor">
+                    <a:schemeClr val="lt1"/>
+                  </a:fontRef>
+                </p:style>
+                <p:txBody>
+                  <a:bodyPr rtlCol="0" anchor="ctr"/>
+                  <a:lstStyle/>
+                  <a:p>
+                    <a:pPr algn="ctr"/>
+                    <a:endParaRPr lang="hu-HU"/>
+                  </a:p>
+                </p:txBody>
+              </p:sp>
+              <p:sp>
+                <p:nvSpPr>
+                  <p:cNvPr id="12" name="Ellipszis 11">
+                    <a:extLst>
+                      <a:ext uri="{FF2B5EF4-FFF2-40B4-BE49-F238E27FC236}">
+                        <a16:creationId xmlns:a16="http://schemas.microsoft.com/office/drawing/2014/main" id="{698A3E0D-EC5D-497D-A4D0-4E93D7326BBE}"/>
+                      </a:ext>
+                    </a:extLst>
+                  </p:cNvPr>
+                  <p:cNvSpPr/>
+                  <p:nvPr/>
+                </p:nvSpPr>
+                <p:spPr>
+                  <a:xfrm>
+                    <a:off x="1347788" y="2652712"/>
+                    <a:ext cx="390525" cy="390525"/>
+                  </a:xfrm>
+                  <a:prstGeom prst="ellipse">
+                    <a:avLst/>
+                  </a:prstGeom>
+                  <a:solidFill>
+                    <a:schemeClr val="tx1"/>
+                  </a:solidFill>
+                  <a:ln w="28575">
+                    <a:noFill/>
+                  </a:ln>
+                </p:spPr>
+                <p:style>
+                  <a:lnRef idx="2">
+                    <a:schemeClr val="accent1">
+                      <a:shade val="50000"/>
+                    </a:schemeClr>
+                  </a:lnRef>
+                  <a:fillRef idx="1">
+                    <a:schemeClr val="accent1"/>
+                  </a:fillRef>
+                  <a:effectRef idx="0">
+                    <a:schemeClr val="accent1"/>
+                  </a:effectRef>
+                  <a:fontRef idx="minor">
+                    <a:schemeClr val="lt1"/>
+                  </a:fontRef>
+                </p:style>
+                <p:txBody>
+                  <a:bodyPr rtlCol="0" anchor="ctr"/>
+                  <a:lstStyle/>
+                  <a:p>
+                    <a:pPr algn="ctr"/>
+                    <a:endParaRPr lang="hu-HU"/>
+                  </a:p>
+                </p:txBody>
+              </p:sp>
+            </p:grpSp>
+            <p:grpSp>
+              <p:nvGrpSpPr>
+                <p:cNvPr id="13" name="Csoportba foglalás 12">
+                  <a:extLst>
+                    <a:ext uri="{FF2B5EF4-FFF2-40B4-BE49-F238E27FC236}">
+                      <a16:creationId xmlns:a16="http://schemas.microsoft.com/office/drawing/2014/main" id="{4B73092B-E9D3-4936-B8F3-F81CB7ED73F8}"/>
+                    </a:ext>
+                  </a:extLst>
+                </p:cNvPr>
+                <p:cNvGrpSpPr/>
+                <p:nvPr/>
+              </p:nvGrpSpPr>
+              <p:grpSpPr>
+                <a:xfrm>
+                  <a:off x="3203379" y="2355056"/>
+                  <a:ext cx="781050" cy="781050"/>
+                  <a:chOff x="1152525" y="2300287"/>
+                  <a:chExt cx="781050" cy="781050"/>
+                </a:xfrm>
+              </p:grpSpPr>
+              <p:sp>
+                <p:nvSpPr>
+                  <p:cNvPr id="14" name="Ellipszis 13">
+                    <a:extLst>
+                      <a:ext uri="{FF2B5EF4-FFF2-40B4-BE49-F238E27FC236}">
+                        <a16:creationId xmlns:a16="http://schemas.microsoft.com/office/drawing/2014/main" id="{5BF31AF4-B603-445B-BF4A-0C3F3A91A29D}"/>
+                      </a:ext>
+                    </a:extLst>
+                  </p:cNvPr>
+                  <p:cNvSpPr/>
+                  <p:nvPr/>
+                </p:nvSpPr>
+                <p:spPr>
+                  <a:xfrm>
+                    <a:off x="1152525" y="2300287"/>
+                    <a:ext cx="781050" cy="781050"/>
+                  </a:xfrm>
+                  <a:prstGeom prst="ellipse">
+                    <a:avLst/>
+                  </a:prstGeom>
+                  <a:solidFill>
+                    <a:schemeClr val="bg1"/>
+                  </a:solidFill>
+                  <a:ln w="28575">
+                    <a:solidFill>
+                      <a:schemeClr val="tx1"/>
+                    </a:solidFill>
+                  </a:ln>
+                </p:spPr>
+                <p:style>
+                  <a:lnRef idx="2">
+                    <a:schemeClr val="accent1">
+                      <a:shade val="50000"/>
+                    </a:schemeClr>
+                  </a:lnRef>
+                  <a:fillRef idx="1">
+                    <a:schemeClr val="accent1"/>
+                  </a:fillRef>
+                  <a:effectRef idx="0">
+                    <a:schemeClr val="accent1"/>
+                  </a:effectRef>
+                  <a:fontRef idx="minor">
+                    <a:schemeClr val="lt1"/>
+                  </a:fontRef>
+                </p:style>
+                <p:txBody>
+                  <a:bodyPr rtlCol="0" anchor="ctr"/>
+                  <a:lstStyle/>
+                  <a:p>
+                    <a:pPr algn="ctr"/>
+                    <a:endParaRPr lang="hu-HU"/>
+                  </a:p>
+                </p:txBody>
+              </p:sp>
+              <p:sp>
+                <p:nvSpPr>
+                  <p:cNvPr id="15" name="Ellipszis 14">
+                    <a:extLst>
+                      <a:ext uri="{FF2B5EF4-FFF2-40B4-BE49-F238E27FC236}">
+                        <a16:creationId xmlns:a16="http://schemas.microsoft.com/office/drawing/2014/main" id="{635C96D4-D768-45F1-948A-67A9E7C91BD5}"/>
+                      </a:ext>
+                    </a:extLst>
+                  </p:cNvPr>
+                  <p:cNvSpPr/>
+                  <p:nvPr/>
+                </p:nvSpPr>
+                <p:spPr>
+                  <a:xfrm>
+                    <a:off x="1347788" y="2652712"/>
+                    <a:ext cx="390525" cy="390525"/>
+                  </a:xfrm>
+                  <a:prstGeom prst="ellipse">
+                    <a:avLst/>
+                  </a:prstGeom>
+                  <a:solidFill>
+                    <a:schemeClr val="tx1"/>
+                  </a:solidFill>
+                  <a:ln w="28575">
+                    <a:noFill/>
+                  </a:ln>
+                </p:spPr>
+                <p:style>
+                  <a:lnRef idx="2">
+                    <a:schemeClr val="accent1">
+                      <a:shade val="50000"/>
+                    </a:schemeClr>
+                  </a:lnRef>
+                  <a:fillRef idx="1">
+                    <a:schemeClr val="accent1"/>
+                  </a:fillRef>
+                  <a:effectRef idx="0">
+                    <a:schemeClr val="accent1"/>
+                  </a:effectRef>
+                  <a:fontRef idx="minor">
+                    <a:schemeClr val="lt1"/>
+                  </a:fontRef>
+                </p:style>
+                <p:txBody>
+                  <a:bodyPr rtlCol="0" anchor="ctr"/>
+                  <a:lstStyle/>
+                  <a:p>
+                    <a:pPr algn="ctr"/>
+                    <a:endParaRPr lang="hu-HU"/>
+                  </a:p>
+                </p:txBody>
+              </p:sp>
+            </p:grpSp>
+          </p:grpSp>
+          <p:sp>
+            <p:nvSpPr>
+              <p:cNvPr id="40" name="Szabadkézi sokszög: alakzat 39">
+                <a:extLst>
+                  <a:ext uri="{FF2B5EF4-FFF2-40B4-BE49-F238E27FC236}">
+                    <a16:creationId xmlns:a16="http://schemas.microsoft.com/office/drawing/2014/main" id="{70E38D97-475B-4390-B372-294D52D7E81B}"/>
+                  </a:ext>
+                </a:extLst>
+              </p:cNvPr>
+              <p:cNvSpPr/>
+              <p:nvPr/>
+            </p:nvSpPr>
+            <p:spPr>
+              <a:xfrm>
+                <a:off x="1736057" y="3368040"/>
+                <a:ext cx="2621280" cy="358140"/>
+              </a:xfrm>
+              <a:custGeom>
+                <a:avLst/>
+                <a:gdLst>
+                  <a:gd name="connsiteX0" fmla="*/ 0 w 2621280"/>
+                  <a:gd name="connsiteY0" fmla="*/ 0 h 358140"/>
+                  <a:gd name="connsiteX1" fmla="*/ 800100 w 2621280"/>
+                  <a:gd name="connsiteY1" fmla="*/ 0 h 358140"/>
+                  <a:gd name="connsiteX2" fmla="*/ 1066800 w 2621280"/>
+                  <a:gd name="connsiteY2" fmla="*/ 358140 h 358140"/>
+                  <a:gd name="connsiteX3" fmla="*/ 1767840 w 2621280"/>
+                  <a:gd name="connsiteY3" fmla="*/ 358140 h 358140"/>
+                  <a:gd name="connsiteX4" fmla="*/ 1866900 w 2621280"/>
+                  <a:gd name="connsiteY4" fmla="*/ 182880 h 358140"/>
+                  <a:gd name="connsiteX5" fmla="*/ 2621280 w 2621280"/>
+                  <a:gd name="connsiteY5" fmla="*/ 182880 h 358140"/>
+                </a:gdLst>
+                <a:ahLst/>
+                <a:cxnLst>
+                  <a:cxn ang="0">
+                    <a:pos x="connsiteX0" y="connsiteY0"/>
+                  </a:cxn>
+                  <a:cxn ang="0">
+                    <a:pos x="connsiteX1" y="connsiteY1"/>
+                  </a:cxn>
+                  <a:cxn ang="0">
+                    <a:pos x="connsiteX2" y="connsiteY2"/>
+                  </a:cxn>
+                  <a:cxn ang="0">
+                    <a:pos x="connsiteX3" y="connsiteY3"/>
+                  </a:cxn>
+                  <a:cxn ang="0">
+                    <a:pos x="connsiteX4" y="connsiteY4"/>
+                  </a:cxn>
+                  <a:cxn ang="0">
+                    <a:pos x="connsiteX5" y="connsiteY5"/>
+                  </a:cxn>
+                </a:cxnLst>
+                <a:rect l="l" t="t" r="r" b="b"/>
+                <a:pathLst>
+                  <a:path w="2621280" h="358140">
+                    <a:moveTo>
+                      <a:pt x="0" y="0"/>
+                    </a:moveTo>
+                    <a:lnTo>
+                      <a:pt x="800100" y="0"/>
+                    </a:lnTo>
+                    <a:lnTo>
+                      <a:pt x="1066800" y="358140"/>
+                    </a:lnTo>
+                    <a:lnTo>
+                      <a:pt x="1767840" y="358140"/>
+                    </a:lnTo>
+                    <a:lnTo>
+                      <a:pt x="1866900" y="182880"/>
+                    </a:lnTo>
+                    <a:lnTo>
+                      <a:pt x="2621280" y="182880"/>
+                    </a:lnTo>
+                  </a:path>
+                </a:pathLst>
+              </a:custGeom>
+              <a:noFill/>
+              <a:ln w="57150">
+                <a:solidFill>
+                  <a:schemeClr val="tx1"/>
+                </a:solidFill>
+              </a:ln>
+            </p:spPr>
+            <p:style>
+              <a:lnRef idx="2">
+                <a:schemeClr val="accent1">
+                  <a:shade val="50000"/>
+                </a:schemeClr>
+              </a:lnRef>
+              <a:fillRef idx="1">
+                <a:schemeClr val="accent1"/>
+              </a:fillRef>
+              <a:effectRef idx="0">
+                <a:schemeClr val="accent1"/>
+              </a:effectRef>
+              <a:fontRef idx="minor">
+                <a:schemeClr val="lt1"/>
+              </a:fontRef>
+            </p:style>
+            <p:txBody>
+              <a:bodyPr rtlCol="0" anchor="ctr"/>
+              <a:lstStyle/>
+              <a:p>
+                <a:pPr algn="ctr"/>
+                <a:endParaRPr lang="hu-HU"/>
+              </a:p>
+            </p:txBody>
+          </p:sp>
+        </p:grpSp>
+        <p:grpSp>
+          <p:nvGrpSpPr>
+            <p:cNvPr id="59" name="Csoportba foglalás 58">
+              <a:extLst>
+                <a:ext uri="{FF2B5EF4-FFF2-40B4-BE49-F238E27FC236}">
+                  <a16:creationId xmlns:a16="http://schemas.microsoft.com/office/drawing/2014/main" id="{68E01CF5-8B4D-4152-AD71-C37EF21DA23C}"/>
+                </a:ext>
+              </a:extLst>
+            </p:cNvPr>
+            <p:cNvGrpSpPr/>
+            <p:nvPr/>
+          </p:nvGrpSpPr>
+          <p:grpSpPr>
+            <a:xfrm>
+              <a:off x="2940027" y="262462"/>
+              <a:ext cx="1281336" cy="1451066"/>
+              <a:chOff x="2973238" y="238600"/>
+              <a:chExt cx="1281336" cy="1451066"/>
+            </a:xfrm>
+          </p:grpSpPr>
+          <p:grpSp>
+            <p:nvGrpSpPr>
+              <p:cNvPr id="51" name="Csoportba foglalás 50">
+                <a:extLst>
+                  <a:ext uri="{FF2B5EF4-FFF2-40B4-BE49-F238E27FC236}">
+                    <a16:creationId xmlns:a16="http://schemas.microsoft.com/office/drawing/2014/main" id="{87458C63-AF59-4BDA-8C48-B26F9147B191}"/>
+                  </a:ext>
+                </a:extLst>
+              </p:cNvPr>
+              <p:cNvGrpSpPr/>
+              <p:nvPr/>
+            </p:nvGrpSpPr>
+            <p:grpSpPr>
+              <a:xfrm>
+                <a:off x="2973238" y="628135"/>
+                <a:ext cx="714127" cy="714127"/>
+                <a:chOff x="3436041" y="602493"/>
+                <a:chExt cx="714127" cy="714127"/>
+              </a:xfrm>
+            </p:grpSpPr>
+            <p:sp>
+              <p:nvSpPr>
+                <p:cNvPr id="49" name="Ív 48">
+                  <a:extLst>
+                    <a:ext uri="{FF2B5EF4-FFF2-40B4-BE49-F238E27FC236}">
+                      <a16:creationId xmlns:a16="http://schemas.microsoft.com/office/drawing/2014/main" id="{B56FC50E-9362-43E9-96DA-316BBB792126}"/>
+                    </a:ext>
+                  </a:extLst>
+                </p:cNvPr>
+                <p:cNvSpPr/>
+                <p:nvPr/>
+              </p:nvSpPr>
+              <p:spPr>
+                <a:xfrm>
+                  <a:off x="3436041" y="602493"/>
+                  <a:ext cx="714127" cy="714127"/>
+                </a:xfrm>
+                <a:prstGeom prst="arc">
+                  <a:avLst/>
+                </a:prstGeom>
+                <a:ln w="76200">
+                  <a:solidFill>
+                    <a:schemeClr val="tx1"/>
+                  </a:solidFill>
+                </a:ln>
+              </p:spPr>
+              <p:style>
+                <a:lnRef idx="1">
+                  <a:schemeClr val="accent1"/>
+                </a:lnRef>
+                <a:fillRef idx="0">
+                  <a:schemeClr val="accent1"/>
+                </a:fillRef>
+                <a:effectRef idx="0">
+                  <a:schemeClr val="accent1"/>
+                </a:effectRef>
+                <a:fontRef idx="minor">
+                  <a:schemeClr val="tx1"/>
+                </a:fontRef>
+              </p:style>
+              <p:txBody>
+                <a:bodyPr rtlCol="0" anchor="ctr"/>
+                <a:lstStyle/>
+                <a:p>
+                  <a:pPr algn="ctr"/>
+                  <a:endParaRPr lang="hu-HU"/>
+                </a:p>
+              </p:txBody>
+            </p:sp>
+            <p:sp>
+              <p:nvSpPr>
+                <p:cNvPr id="50" name="Ív 49">
+                  <a:extLst>
+                    <a:ext uri="{FF2B5EF4-FFF2-40B4-BE49-F238E27FC236}">
+                      <a16:creationId xmlns:a16="http://schemas.microsoft.com/office/drawing/2014/main" id="{0610C479-C1C9-44CC-B0FB-8DCFB9A3213A}"/>
+                    </a:ext>
+                  </a:extLst>
+                </p:cNvPr>
+                <p:cNvSpPr/>
+                <p:nvPr/>
+              </p:nvSpPr>
+              <p:spPr>
+                <a:xfrm flipV="1">
+                  <a:off x="3436041" y="602493"/>
+                  <a:ext cx="714127" cy="714127"/>
+                </a:xfrm>
+                <a:prstGeom prst="arc">
+                  <a:avLst/>
+                </a:prstGeom>
+                <a:ln w="76200">
+                  <a:solidFill>
+                    <a:schemeClr val="tx1"/>
+                  </a:solidFill>
+                </a:ln>
+              </p:spPr>
+              <p:style>
+                <a:lnRef idx="1">
+                  <a:schemeClr val="accent1"/>
+                </a:lnRef>
+                <a:fillRef idx="0">
+                  <a:schemeClr val="accent1"/>
+                </a:fillRef>
+                <a:effectRef idx="0">
+                  <a:schemeClr val="accent1"/>
+                </a:effectRef>
+                <a:fontRef idx="minor">
+                  <a:schemeClr val="tx1"/>
+                </a:fontRef>
+              </p:style>
+              <p:txBody>
+                <a:bodyPr rtlCol="0" anchor="ctr"/>
+                <a:lstStyle/>
+                <a:p>
+                  <a:pPr algn="ctr"/>
+                  <a:endParaRPr lang="hu-HU"/>
+                </a:p>
+              </p:txBody>
+            </p:sp>
+          </p:grpSp>
+          <p:grpSp>
+            <p:nvGrpSpPr>
+              <p:cNvPr id="52" name="Csoportba foglalás 51">
+                <a:extLst>
+                  <a:ext uri="{FF2B5EF4-FFF2-40B4-BE49-F238E27FC236}">
+                    <a16:creationId xmlns:a16="http://schemas.microsoft.com/office/drawing/2014/main" id="{F6741250-1FCC-40F6-A1C3-821EFA6105B1}"/>
+                  </a:ext>
+                </a:extLst>
+              </p:cNvPr>
+              <p:cNvGrpSpPr/>
+              <p:nvPr/>
+            </p:nvGrpSpPr>
+            <p:grpSpPr>
+              <a:xfrm>
+                <a:off x="3257093" y="431990"/>
+                <a:ext cx="714127" cy="1058966"/>
+                <a:chOff x="3436041" y="602493"/>
+                <a:chExt cx="714127" cy="714127"/>
+              </a:xfrm>
+            </p:grpSpPr>
+            <p:sp>
+              <p:nvSpPr>
+                <p:cNvPr id="53" name="Ív 52">
+                  <a:extLst>
+                    <a:ext uri="{FF2B5EF4-FFF2-40B4-BE49-F238E27FC236}">
+                      <a16:creationId xmlns:a16="http://schemas.microsoft.com/office/drawing/2014/main" id="{3D389590-B44A-4F3D-9B8E-929963A9A0AA}"/>
+                    </a:ext>
+                  </a:extLst>
+                </p:cNvPr>
+                <p:cNvSpPr/>
+                <p:nvPr/>
+              </p:nvSpPr>
+              <p:spPr>
+                <a:xfrm>
+                  <a:off x="3436041" y="602493"/>
+                  <a:ext cx="714127" cy="714127"/>
+                </a:xfrm>
+                <a:prstGeom prst="arc">
+                  <a:avLst/>
+                </a:prstGeom>
+                <a:ln w="76200">
+                  <a:solidFill>
+                    <a:schemeClr val="tx1"/>
+                  </a:solidFill>
+                </a:ln>
+              </p:spPr>
+              <p:style>
+                <a:lnRef idx="1">
+                  <a:schemeClr val="accent1"/>
+                </a:lnRef>
+                <a:fillRef idx="0">
+                  <a:schemeClr val="accent1"/>
+                </a:fillRef>
+                <a:effectRef idx="0">
+                  <a:schemeClr val="accent1"/>
+                </a:effectRef>
+                <a:fontRef idx="minor">
+                  <a:schemeClr val="tx1"/>
+                </a:fontRef>
+              </p:style>
+              <p:txBody>
+                <a:bodyPr rtlCol="0" anchor="ctr"/>
+                <a:lstStyle/>
+                <a:p>
+                  <a:pPr algn="ctr"/>
+                  <a:endParaRPr lang="hu-HU"/>
+                </a:p>
+              </p:txBody>
+            </p:sp>
+            <p:sp>
+              <p:nvSpPr>
+                <p:cNvPr id="54" name="Ív 53">
+                  <a:extLst>
+                    <a:ext uri="{FF2B5EF4-FFF2-40B4-BE49-F238E27FC236}">
+                      <a16:creationId xmlns:a16="http://schemas.microsoft.com/office/drawing/2014/main" id="{F36BC902-0EE0-477B-8139-176AE905BDEE}"/>
+                    </a:ext>
+                  </a:extLst>
+                </p:cNvPr>
+                <p:cNvSpPr/>
+                <p:nvPr/>
+              </p:nvSpPr>
+              <p:spPr>
+                <a:xfrm flipV="1">
+                  <a:off x="3436041" y="602493"/>
+                  <a:ext cx="714127" cy="714127"/>
+                </a:xfrm>
+                <a:prstGeom prst="arc">
+                  <a:avLst/>
+                </a:prstGeom>
+                <a:ln w="76200">
+                  <a:solidFill>
+                    <a:schemeClr val="tx1"/>
+                  </a:solidFill>
+                </a:ln>
+              </p:spPr>
+              <p:style>
+                <a:lnRef idx="1">
+                  <a:schemeClr val="accent1"/>
+                </a:lnRef>
+                <a:fillRef idx="0">
+                  <a:schemeClr val="accent1"/>
+                </a:fillRef>
+                <a:effectRef idx="0">
+                  <a:schemeClr val="accent1"/>
+                </a:effectRef>
+                <a:fontRef idx="minor">
+                  <a:schemeClr val="tx1"/>
+                </a:fontRef>
+              </p:style>
+              <p:txBody>
+                <a:bodyPr rtlCol="0" anchor="ctr"/>
+                <a:lstStyle/>
+                <a:p>
+                  <a:pPr algn="ctr"/>
+                  <a:endParaRPr lang="hu-HU"/>
+                </a:p>
+              </p:txBody>
+            </p:sp>
+          </p:grpSp>
+          <p:grpSp>
+            <p:nvGrpSpPr>
+              <p:cNvPr id="55" name="Csoportba foglalás 54">
+                <a:extLst>
+                  <a:ext uri="{FF2B5EF4-FFF2-40B4-BE49-F238E27FC236}">
+                    <a16:creationId xmlns:a16="http://schemas.microsoft.com/office/drawing/2014/main" id="{7DF0A514-6096-41F8-B3FD-4377F6EF44D8}"/>
+                  </a:ext>
+                </a:extLst>
+              </p:cNvPr>
+              <p:cNvGrpSpPr/>
+              <p:nvPr/>
+            </p:nvGrpSpPr>
+            <p:grpSpPr>
+              <a:xfrm>
+                <a:off x="3540447" y="238600"/>
+                <a:ext cx="714127" cy="1451066"/>
+                <a:chOff x="3436041" y="602493"/>
+                <a:chExt cx="714127" cy="714127"/>
+              </a:xfrm>
+            </p:grpSpPr>
+            <p:sp>
+              <p:nvSpPr>
+                <p:cNvPr id="56" name="Ív 55">
+                  <a:extLst>
+                    <a:ext uri="{FF2B5EF4-FFF2-40B4-BE49-F238E27FC236}">
+                      <a16:creationId xmlns:a16="http://schemas.microsoft.com/office/drawing/2014/main" id="{801EFAD2-D140-4C75-80B0-8C0795841548}"/>
+                    </a:ext>
+                  </a:extLst>
+                </p:cNvPr>
+                <p:cNvSpPr/>
+                <p:nvPr/>
+              </p:nvSpPr>
+              <p:spPr>
+                <a:xfrm>
+                  <a:off x="3436041" y="602493"/>
+                  <a:ext cx="714127" cy="714127"/>
+                </a:xfrm>
+                <a:prstGeom prst="arc">
+                  <a:avLst/>
+                </a:prstGeom>
+                <a:ln w="76200">
+                  <a:solidFill>
+                    <a:schemeClr val="tx1"/>
+                  </a:solidFill>
+                </a:ln>
+              </p:spPr>
+              <p:style>
+                <a:lnRef idx="1">
+                  <a:schemeClr val="accent1"/>
+                </a:lnRef>
+                <a:fillRef idx="0">
+                  <a:schemeClr val="accent1"/>
+                </a:fillRef>
+                <a:effectRef idx="0">
+                  <a:schemeClr val="accent1"/>
+                </a:effectRef>
+                <a:fontRef idx="minor">
+                  <a:schemeClr val="tx1"/>
+                </a:fontRef>
+              </p:style>
+              <p:txBody>
+                <a:bodyPr rtlCol="0" anchor="ctr"/>
+                <a:lstStyle/>
+                <a:p>
+                  <a:pPr algn="ctr"/>
+                  <a:endParaRPr lang="hu-HU"/>
+                </a:p>
+              </p:txBody>
+            </p:sp>
+            <p:sp>
+              <p:nvSpPr>
+                <p:cNvPr id="57" name="Ív 56">
+                  <a:extLst>
+                    <a:ext uri="{FF2B5EF4-FFF2-40B4-BE49-F238E27FC236}">
+                      <a16:creationId xmlns:a16="http://schemas.microsoft.com/office/drawing/2014/main" id="{BA8F85EE-1D87-4F4D-9B33-BBA410819317}"/>
+                    </a:ext>
+                  </a:extLst>
+                </p:cNvPr>
+                <p:cNvSpPr/>
+                <p:nvPr/>
+              </p:nvSpPr>
+              <p:spPr>
+                <a:xfrm flipV="1">
+                  <a:off x="3436041" y="602493"/>
+                  <a:ext cx="714127" cy="714127"/>
+                </a:xfrm>
+                <a:prstGeom prst="arc">
+                  <a:avLst/>
+                </a:prstGeom>
+                <a:ln w="76200">
+                  <a:solidFill>
+                    <a:schemeClr val="tx1"/>
+                  </a:solidFill>
+                </a:ln>
+              </p:spPr>
+              <p:style>
+                <a:lnRef idx="1">
+                  <a:schemeClr val="accent1"/>
+                </a:lnRef>
+                <a:fillRef idx="0">
+                  <a:schemeClr val="accent1"/>
+                </a:fillRef>
+                <a:effectRef idx="0">
+                  <a:schemeClr val="accent1"/>
+                </a:effectRef>
+                <a:fontRef idx="minor">
+                  <a:schemeClr val="tx1"/>
+                </a:fontRef>
+              </p:style>
+              <p:txBody>
+                <a:bodyPr rtlCol="0" anchor="ctr"/>
+                <a:lstStyle/>
+                <a:p>
+                  <a:pPr algn="ctr"/>
+                  <a:endParaRPr lang="hu-HU"/>
+                </a:p>
+              </p:txBody>
+            </p:sp>
+          </p:grpSp>
+        </p:grpSp>
+        <p:grpSp>
+          <p:nvGrpSpPr>
+            <p:cNvPr id="65" name="Csoportba foglalás 64">
+              <a:extLst>
+                <a:ext uri="{FF2B5EF4-FFF2-40B4-BE49-F238E27FC236}">
+                  <a16:creationId xmlns:a16="http://schemas.microsoft.com/office/drawing/2014/main" id="{44EB40A8-AA0A-4AFE-9C61-B4BA1A1AD2AA}"/>
+                </a:ext>
+              </a:extLst>
+            </p:cNvPr>
+            <p:cNvGrpSpPr/>
+            <p:nvPr/>
+          </p:nvGrpSpPr>
+          <p:grpSpPr>
+            <a:xfrm>
+              <a:off x="781495" y="6744865"/>
+              <a:ext cx="4582226" cy="2652534"/>
+              <a:chOff x="667195" y="3277765"/>
+              <a:chExt cx="4582226" cy="2652534"/>
+            </a:xfrm>
+          </p:grpSpPr>
+          <p:sp>
+            <p:nvSpPr>
+              <p:cNvPr id="66" name="Téglalap 65">
+                <a:extLst>
+                  <a:ext uri="{FF2B5EF4-FFF2-40B4-BE49-F238E27FC236}">
+                    <a16:creationId xmlns:a16="http://schemas.microsoft.com/office/drawing/2014/main" id="{D069FF41-4816-4CD4-A5E2-D39FDE972422}"/>
+                  </a:ext>
+                </a:extLst>
+              </p:cNvPr>
+              <p:cNvSpPr/>
+              <p:nvPr/>
+            </p:nvSpPr>
+            <p:spPr>
+              <a:xfrm>
+                <a:off x="667195" y="3277765"/>
+                <a:ext cx="4544126" cy="2622054"/>
+              </a:xfrm>
+              <a:prstGeom prst="rect">
+                <a:avLst/>
+              </a:prstGeom>
+              <a:solidFill>
+                <a:srgbClr val="008080"/>
+              </a:solidFill>
+              <a:ln w="38100">
+                <a:solidFill>
+                  <a:schemeClr val="tx1"/>
+                </a:solidFill>
+              </a:ln>
+            </p:spPr>
+            <p:style>
+              <a:lnRef idx="2">
+                <a:schemeClr val="accent1">
+                  <a:shade val="50000"/>
+                </a:schemeClr>
+              </a:lnRef>
+              <a:fillRef idx="1">
+                <a:schemeClr val="accent1"/>
+              </a:fillRef>
+              <a:effectRef idx="0">
+                <a:schemeClr val="accent1"/>
+              </a:effectRef>
+              <a:fontRef idx="minor">
+                <a:schemeClr val="lt1"/>
+              </a:fontRef>
+            </p:style>
+            <p:txBody>
+              <a:bodyPr rtlCol="0" anchor="ctr"/>
+              <a:lstStyle/>
+              <a:p>
+                <a:pPr algn="ctr"/>
+                <a:endParaRPr lang="hu-HU" sz="8800" dirty="0">
+                  <a:ln w="28575">
+                    <a:solidFill>
+                      <a:schemeClr val="tx1"/>
+                    </a:solidFill>
+                  </a:ln>
+                  <a:solidFill>
+                    <a:schemeClr val="bg1"/>
+                  </a:solidFill>
+                  <a:latin typeface="Bahnschrift SemiBold Condensed" panose="020B0502040204020203" pitchFamily="34" charset="0"/>
+                </a:endParaRPr>
+              </a:p>
+            </p:txBody>
+          </p:sp>
+          <p:sp>
+            <p:nvSpPr>
+              <p:cNvPr id="67" name="Téglalap 66">
+                <a:extLst>
+                  <a:ext uri="{FF2B5EF4-FFF2-40B4-BE49-F238E27FC236}">
+                    <a16:creationId xmlns:a16="http://schemas.microsoft.com/office/drawing/2014/main" id="{A99A4F89-640A-4F9C-8414-B0FC7D5DC1D7}"/>
+                  </a:ext>
+                </a:extLst>
+              </p:cNvPr>
+              <p:cNvSpPr/>
+              <p:nvPr/>
+            </p:nvSpPr>
+            <p:spPr>
+              <a:xfrm>
+                <a:off x="705295" y="3308245"/>
+                <a:ext cx="4544126" cy="2622054"/>
+              </a:xfrm>
+              <a:prstGeom prst="rect">
+                <a:avLst/>
+              </a:prstGeom>
+              <a:noFill/>
+              <a:ln w="38100">
+                <a:noFill/>
+              </a:ln>
+            </p:spPr>
+            <p:style>
+              <a:lnRef idx="2">
+                <a:schemeClr val="accent1">
+                  <a:shade val="50000"/>
+                </a:schemeClr>
+              </a:lnRef>
+              <a:fillRef idx="1">
+                <a:schemeClr val="accent1"/>
+              </a:fillRef>
+              <a:effectRef idx="0">
+                <a:schemeClr val="accent1"/>
+              </a:effectRef>
+              <a:fontRef idx="minor">
+                <a:schemeClr val="lt1"/>
+              </a:fontRef>
+            </p:style>
+            <p:txBody>
+              <a:bodyPr rtlCol="0" anchor="ctr"/>
+              <a:lstStyle/>
+              <a:p>
+                <a:pPr algn="ctr"/>
+                <a:r>
+                  <a:rPr lang="hu-HU" sz="8800" dirty="0">
+                    <a:ln w="28575">
+                      <a:noFill/>
+                    </a:ln>
+                    <a:solidFill>
+                      <a:schemeClr val="tx1"/>
+                    </a:solidFill>
+                    <a:latin typeface="Bahnschrift SemiBold Condensed" panose="020B0502040204020203" pitchFamily="34" charset="0"/>
+                  </a:rPr>
+                  <a:t>ROBOTIKA-</a:t>
+                </a:r>
+              </a:p>
+              <a:p>
+                <a:pPr algn="ctr"/>
+                <a:r>
+                  <a:rPr lang="hu-HU" sz="8800" dirty="0">
+                    <a:ln w="28575">
+                      <a:noFill/>
+                    </a:ln>
+                    <a:solidFill>
+                      <a:schemeClr val="tx1"/>
+                    </a:solidFill>
+                    <a:latin typeface="Bahnschrift SemiBold Condensed" panose="020B0502040204020203" pitchFamily="34" charset="0"/>
+                  </a:rPr>
+                  <a:t>SZAKKÖR</a:t>
+                </a:r>
+              </a:p>
+            </p:txBody>
+          </p:sp>
+          <p:sp>
+            <p:nvSpPr>
+              <p:cNvPr id="68" name="Téglalap 67">
+                <a:extLst>
+                  <a:ext uri="{FF2B5EF4-FFF2-40B4-BE49-F238E27FC236}">
+                    <a16:creationId xmlns:a16="http://schemas.microsoft.com/office/drawing/2014/main" id="{880D8973-F3CB-4082-A2E2-96C5596E7763}"/>
+                  </a:ext>
+                </a:extLst>
+              </p:cNvPr>
+              <p:cNvSpPr/>
+              <p:nvPr/>
+            </p:nvSpPr>
+            <p:spPr>
+              <a:xfrm>
+                <a:off x="667195" y="3277765"/>
+                <a:ext cx="4544126" cy="2622054"/>
+              </a:xfrm>
+              <a:prstGeom prst="rect">
+                <a:avLst/>
+              </a:prstGeom>
+              <a:noFill/>
+              <a:ln w="38100">
+                <a:noFill/>
+              </a:ln>
+            </p:spPr>
+            <p:style>
+              <a:lnRef idx="2">
+                <a:schemeClr val="accent1">
+                  <a:shade val="50000"/>
+                </a:schemeClr>
+              </a:lnRef>
+              <a:fillRef idx="1">
+                <a:schemeClr val="accent1"/>
+              </a:fillRef>
+              <a:effectRef idx="0">
+                <a:schemeClr val="accent1"/>
+              </a:effectRef>
+              <a:fontRef idx="minor">
+                <a:schemeClr val="lt1"/>
+              </a:fontRef>
+            </p:style>
+            <p:txBody>
+              <a:bodyPr rtlCol="0" anchor="ctr"/>
+              <a:lstStyle/>
+              <a:p>
+                <a:pPr algn="ctr"/>
+                <a:r>
+                  <a:rPr lang="hu-HU" sz="8800" dirty="0">
+                    <a:ln w="28575">
+                      <a:solidFill>
+                        <a:schemeClr val="tx1"/>
+                      </a:solidFill>
+                    </a:ln>
+                    <a:solidFill>
+                      <a:schemeClr val="bg1"/>
+                    </a:solidFill>
+                    <a:latin typeface="Bahnschrift SemiBold Condensed" panose="020B0502040204020203" pitchFamily="34" charset="0"/>
+                  </a:rPr>
+                  <a:t>ROBOTIKA-</a:t>
+                </a:r>
+              </a:p>
+              <a:p>
+                <a:pPr algn="ctr"/>
+                <a:r>
+                  <a:rPr lang="hu-HU" sz="8800" dirty="0">
+                    <a:ln w="28575">
+                      <a:solidFill>
+                        <a:schemeClr val="tx1"/>
+                      </a:solidFill>
+                    </a:ln>
+                    <a:solidFill>
+                      <a:schemeClr val="bg1"/>
+                    </a:solidFill>
+                    <a:latin typeface="Bahnschrift SemiBold Condensed" panose="020B0502040204020203" pitchFamily="34" charset="0"/>
+                  </a:rPr>
+                  <a:t>SZAKKÖR</a:t>
+                </a:r>
+              </a:p>
+            </p:txBody>
+          </p:sp>
+        </p:grpSp>
+        <p:grpSp>
+          <p:nvGrpSpPr>
+            <p:cNvPr id="98" name="Csoportba foglalás 97">
+              <a:extLst>
+                <a:ext uri="{FF2B5EF4-FFF2-40B4-BE49-F238E27FC236}">
+                  <a16:creationId xmlns:a16="http://schemas.microsoft.com/office/drawing/2014/main" id="{BC359A3F-ADD6-4272-9AAB-FA3BD454990C}"/>
+                </a:ext>
+              </a:extLst>
+            </p:cNvPr>
+            <p:cNvGrpSpPr/>
+            <p:nvPr/>
+          </p:nvGrpSpPr>
+          <p:grpSpPr>
+            <a:xfrm>
+              <a:off x="699227" y="4415282"/>
+              <a:ext cx="1353561" cy="2623229"/>
+              <a:chOff x="699227" y="4415282"/>
+              <a:chExt cx="1353561" cy="2623229"/>
+            </a:xfrm>
+          </p:grpSpPr>
+          <p:grpSp>
+            <p:nvGrpSpPr>
+              <p:cNvPr id="92" name="Csoportba foglalás 91">
+                <a:extLst>
+                  <a:ext uri="{FF2B5EF4-FFF2-40B4-BE49-F238E27FC236}">
+                    <a16:creationId xmlns:a16="http://schemas.microsoft.com/office/drawing/2014/main" id="{C55E56A5-ECE3-4303-92DE-7DFBA77593AA}"/>
+                  </a:ext>
+                </a:extLst>
+              </p:cNvPr>
+              <p:cNvGrpSpPr/>
+              <p:nvPr/>
+            </p:nvGrpSpPr>
+            <p:grpSpPr>
+              <a:xfrm>
+                <a:off x="1035865" y="4415282"/>
+                <a:ext cx="1016923" cy="2231782"/>
+                <a:chOff x="1035865" y="4415282"/>
+                <a:chExt cx="1016923" cy="2231782"/>
+              </a:xfrm>
+            </p:grpSpPr>
+            <p:sp>
+              <p:nvSpPr>
+                <p:cNvPr id="31" name="Téglalap 30">
+                  <a:extLst>
+                    <a:ext uri="{FF2B5EF4-FFF2-40B4-BE49-F238E27FC236}">
+                      <a16:creationId xmlns:a16="http://schemas.microsoft.com/office/drawing/2014/main" id="{8E1B25BF-733E-4EF0-80B0-C9FAC1B11D3E}"/>
+                    </a:ext>
+                  </a:extLst>
+                </p:cNvPr>
+                <p:cNvSpPr/>
+                <p:nvPr/>
+              </p:nvSpPr>
+              <p:spPr>
+                <a:xfrm rot="1179234">
+                  <a:off x="1035865" y="5781456"/>
+                  <a:ext cx="246752" cy="865608"/>
+                </a:xfrm>
+                <a:prstGeom prst="rect">
+                  <a:avLst/>
+                </a:prstGeom>
+                <a:solidFill>
+                  <a:srgbClr val="CCCCCC"/>
+                </a:solidFill>
+                <a:ln w="38100">
+                  <a:solidFill>
+                    <a:schemeClr val="tx1"/>
+                  </a:solidFill>
+                </a:ln>
+              </p:spPr>
+              <p:style>
+                <a:lnRef idx="2">
+                  <a:schemeClr val="accent1">
+                    <a:shade val="50000"/>
+                  </a:schemeClr>
+                </a:lnRef>
+                <a:fillRef idx="1">
+                  <a:schemeClr val="accent1"/>
+                </a:fillRef>
+                <a:effectRef idx="0">
+                  <a:schemeClr val="accent1"/>
+                </a:effectRef>
+                <a:fontRef idx="minor">
+                  <a:schemeClr val="lt1"/>
+                </a:fontRef>
+              </p:style>
+              <p:txBody>
+                <a:bodyPr rtlCol="0" anchor="ctr"/>
+                <a:lstStyle/>
+                <a:p>
+                  <a:pPr algn="ctr"/>
+                  <a:endParaRPr lang="hu-HU"/>
+                </a:p>
+              </p:txBody>
+            </p:sp>
+            <p:sp>
+              <p:nvSpPr>
+                <p:cNvPr id="32" name="Téglalap 31">
+                  <a:extLst>
+                    <a:ext uri="{FF2B5EF4-FFF2-40B4-BE49-F238E27FC236}">
+                      <a16:creationId xmlns:a16="http://schemas.microsoft.com/office/drawing/2014/main" id="{4C8016A0-C158-4813-B478-D6682C62C6A2}"/>
+                    </a:ext>
+                  </a:extLst>
+                </p:cNvPr>
+                <p:cNvSpPr/>
+                <p:nvPr/>
+              </p:nvSpPr>
+              <p:spPr>
+                <a:xfrm rot="1179234">
+                  <a:off x="1234492" y="5061735"/>
+                  <a:ext cx="378612" cy="823541"/>
+                </a:xfrm>
+                <a:prstGeom prst="rect">
+                  <a:avLst/>
+                </a:prstGeom>
+                <a:solidFill>
+                  <a:srgbClr val="CCCCCC"/>
+                </a:solidFill>
+                <a:ln w="38100">
+                  <a:solidFill>
+                    <a:schemeClr val="tx1"/>
+                  </a:solidFill>
+                </a:ln>
+              </p:spPr>
+              <p:style>
+                <a:lnRef idx="2">
+                  <a:schemeClr val="accent1">
+                    <a:shade val="50000"/>
+                  </a:schemeClr>
+                </a:lnRef>
+                <a:fillRef idx="1">
+                  <a:schemeClr val="accent1"/>
+                </a:fillRef>
+                <a:effectRef idx="0">
+                  <a:schemeClr val="accent1"/>
+                </a:effectRef>
+                <a:fontRef idx="minor">
+                  <a:schemeClr val="lt1"/>
+                </a:fontRef>
+              </p:style>
+              <p:txBody>
+                <a:bodyPr rtlCol="0" anchor="ctr"/>
+                <a:lstStyle/>
+                <a:p>
+                  <a:pPr algn="ctr"/>
+                  <a:endParaRPr lang="hu-HU"/>
+                </a:p>
+              </p:txBody>
+            </p:sp>
+            <p:sp>
+              <p:nvSpPr>
+                <p:cNvPr id="33" name="Ellipszis 32">
+                  <a:extLst>
+                    <a:ext uri="{FF2B5EF4-FFF2-40B4-BE49-F238E27FC236}">
+                      <a16:creationId xmlns:a16="http://schemas.microsoft.com/office/drawing/2014/main" id="{82A4DF03-4A77-40DE-A155-5813DC8FFFD4}"/>
+                    </a:ext>
+                  </a:extLst>
+                </p:cNvPr>
+                <p:cNvSpPr/>
+                <p:nvPr/>
+              </p:nvSpPr>
+              <p:spPr>
+                <a:xfrm rot="1179234">
+                  <a:off x="1271738" y="4415282"/>
+                  <a:ext cx="781050" cy="781050"/>
+                </a:xfrm>
+                <a:prstGeom prst="ellipse">
+                  <a:avLst/>
+                </a:prstGeom>
+                <a:solidFill>
+                  <a:srgbClr val="CCCCCC"/>
+                </a:solidFill>
+                <a:ln w="38100">
+                  <a:solidFill>
+                    <a:schemeClr val="tx1"/>
+                  </a:solidFill>
+                </a:ln>
+              </p:spPr>
+              <p:style>
+                <a:lnRef idx="2">
+                  <a:schemeClr val="accent1">
+                    <a:shade val="50000"/>
+                  </a:schemeClr>
+                </a:lnRef>
+                <a:fillRef idx="1">
+                  <a:schemeClr val="accent1"/>
+                </a:fillRef>
+                <a:effectRef idx="0">
+                  <a:schemeClr val="accent1"/>
+                </a:effectRef>
+                <a:fontRef idx="minor">
+                  <a:schemeClr val="lt1"/>
+                </a:fontRef>
+              </p:style>
+              <p:txBody>
+                <a:bodyPr rtlCol="0" anchor="ctr"/>
+                <a:lstStyle/>
+                <a:p>
+                  <a:pPr algn="ctr"/>
+                  <a:endParaRPr lang="hu-HU"/>
+                </a:p>
+              </p:txBody>
+            </p:sp>
+          </p:grpSp>
+          <p:sp>
+            <p:nvSpPr>
+              <p:cNvPr id="30" name="Szabadkézi sokszög: alakzat 29">
+                <a:extLst>
+                  <a:ext uri="{FF2B5EF4-FFF2-40B4-BE49-F238E27FC236}">
+                    <a16:creationId xmlns:a16="http://schemas.microsoft.com/office/drawing/2014/main" id="{A2464351-BDC3-4599-8017-FB32F0C60D1C}"/>
+                  </a:ext>
+                </a:extLst>
+              </p:cNvPr>
+              <p:cNvSpPr/>
+              <p:nvPr/>
+            </p:nvSpPr>
+            <p:spPr>
+              <a:xfrm rot="5400000">
+                <a:off x="706144" y="6526121"/>
+                <a:ext cx="505473" cy="519308"/>
+              </a:xfrm>
+              <a:custGeom>
+                <a:avLst/>
+                <a:gdLst>
+                  <a:gd name="connsiteX0" fmla="*/ 390525 w 760242"/>
+                  <a:gd name="connsiteY0" fmla="*/ 0 h 781050"/>
+                  <a:gd name="connsiteX1" fmla="*/ 750361 w 760242"/>
+                  <a:gd name="connsiteY1" fmla="*/ 238515 h 781050"/>
+                  <a:gd name="connsiteX2" fmla="*/ 760242 w 760242"/>
+                  <a:gd name="connsiteY2" fmla="*/ 270347 h 781050"/>
+                  <a:gd name="connsiteX3" fmla="*/ 390525 w 760242"/>
+                  <a:gd name="connsiteY3" fmla="*/ 270347 h 781050"/>
+                  <a:gd name="connsiteX4" fmla="*/ 390525 w 760242"/>
+                  <a:gd name="connsiteY4" fmla="*/ 510702 h 781050"/>
+                  <a:gd name="connsiteX5" fmla="*/ 760242 w 760242"/>
+                  <a:gd name="connsiteY5" fmla="*/ 510702 h 781050"/>
+                  <a:gd name="connsiteX6" fmla="*/ 750361 w 760242"/>
+                  <a:gd name="connsiteY6" fmla="*/ 542535 h 781050"/>
+                  <a:gd name="connsiteX7" fmla="*/ 390525 w 760242"/>
+                  <a:gd name="connsiteY7" fmla="*/ 781050 h 781050"/>
+                  <a:gd name="connsiteX8" fmla="*/ 0 w 760242"/>
+                  <a:gd name="connsiteY8" fmla="*/ 390525 h 781050"/>
+                  <a:gd name="connsiteX9" fmla="*/ 390525 w 760242"/>
+                  <a:gd name="connsiteY9" fmla="*/ 0 h 781050"/>
+                </a:gdLst>
+                <a:ahLst/>
+                <a:cxnLst>
+                  <a:cxn ang="0">
+                    <a:pos x="connsiteX0" y="connsiteY0"/>
+                  </a:cxn>
+                  <a:cxn ang="0">
+                    <a:pos x="connsiteX1" y="connsiteY1"/>
+                  </a:cxn>
+                  <a:cxn ang="0">
+                    <a:pos x="connsiteX2" y="connsiteY2"/>
+                  </a:cxn>
+                  <a:cxn ang="0">
+                    <a:pos x="connsiteX3" y="connsiteY3"/>
+                  </a:cxn>
+                  <a:cxn ang="0">
+                    <a:pos x="connsiteX4" y="connsiteY4"/>
+                  </a:cxn>
+                  <a:cxn ang="0">
+                    <a:pos x="connsiteX5" y="connsiteY5"/>
+                  </a:cxn>
+                  <a:cxn ang="0">
+                    <a:pos x="connsiteX6" y="connsiteY6"/>
+                  </a:cxn>
+                  <a:cxn ang="0">
+                    <a:pos x="connsiteX7" y="connsiteY7"/>
+                  </a:cxn>
+                  <a:cxn ang="0">
+                    <a:pos x="connsiteX8" y="connsiteY8"/>
+                  </a:cxn>
+                  <a:cxn ang="0">
+                    <a:pos x="connsiteX9" y="connsiteY9"/>
+                  </a:cxn>
+                </a:cxnLst>
+                <a:rect l="l" t="t" r="r" b="b"/>
+                <a:pathLst>
+                  <a:path w="760242" h="781050">
+                    <a:moveTo>
+                      <a:pt x="390525" y="0"/>
+                    </a:moveTo>
+                    <a:cubicBezTo>
+                      <a:pt x="552286" y="0"/>
+                      <a:pt x="691076" y="98350"/>
+                      <a:pt x="750361" y="238515"/>
+                    </a:cubicBezTo>
+                    <a:lnTo>
+                      <a:pt x="760242" y="270347"/>
+                    </a:lnTo>
+                    <a:lnTo>
+                      <a:pt x="390525" y="270347"/>
+                    </a:lnTo>
+                    <a:lnTo>
+                      <a:pt x="390525" y="510702"/>
+                    </a:lnTo>
+                    <a:lnTo>
+                      <a:pt x="760242" y="510702"/>
+                    </a:lnTo>
+                    <a:lnTo>
+                      <a:pt x="750361" y="542535"/>
+                    </a:lnTo>
+                    <a:cubicBezTo>
+                      <a:pt x="691076" y="682701"/>
+                      <a:pt x="552286" y="781050"/>
+                      <a:pt x="390525" y="781050"/>
+                    </a:cubicBezTo>
+                    <a:cubicBezTo>
+                      <a:pt x="174844" y="781050"/>
+                      <a:pt x="0" y="606206"/>
+                      <a:pt x="0" y="390525"/>
+                    </a:cubicBezTo>
+                    <a:cubicBezTo>
+                      <a:pt x="0" y="174844"/>
+                      <a:pt x="174844" y="0"/>
+                      <a:pt x="390525" y="0"/>
+                    </a:cubicBezTo>
+                    <a:close/>
+                  </a:path>
+                </a:pathLst>
+              </a:custGeom>
+              <a:solidFill>
+                <a:srgbClr val="CCCCCC"/>
+              </a:solidFill>
+              <a:ln w="38100">
+                <a:solidFill>
+                  <a:schemeClr val="tx1"/>
+                </a:solidFill>
+              </a:ln>
+            </p:spPr>
+            <p:style>
+              <a:lnRef idx="2">
+                <a:schemeClr val="accent1">
+                  <a:shade val="50000"/>
+                </a:schemeClr>
+              </a:lnRef>
+              <a:fillRef idx="1">
+                <a:schemeClr val="accent1"/>
+              </a:fillRef>
+              <a:effectRef idx="0">
+                <a:schemeClr val="accent1"/>
+              </a:effectRef>
+              <a:fontRef idx="minor">
+                <a:schemeClr val="lt1"/>
+              </a:fontRef>
+            </p:style>
+            <p:txBody>
+              <a:bodyPr rtlCol="0" anchor="ctr"/>
+              <a:lstStyle/>
+              <a:p>
+                <a:pPr algn="ctr"/>
+                <a:endParaRPr lang="hu-HU"/>
+              </a:p>
+            </p:txBody>
+          </p:sp>
+        </p:grpSp>
+        <p:grpSp>
+          <p:nvGrpSpPr>
+            <p:cNvPr id="99" name="Csoportba foglalás 98">
+              <a:extLst>
+                <a:ext uri="{FF2B5EF4-FFF2-40B4-BE49-F238E27FC236}">
+                  <a16:creationId xmlns:a16="http://schemas.microsoft.com/office/drawing/2014/main" id="{629D3BB0-FF6F-46DE-B0AB-2E33C99FDE9C}"/>
+                </a:ext>
+              </a:extLst>
+            </p:cNvPr>
+            <p:cNvGrpSpPr/>
+            <p:nvPr/>
+          </p:nvGrpSpPr>
+          <p:grpSpPr>
+            <a:xfrm flipH="1">
+              <a:off x="4066416" y="4415756"/>
+              <a:ext cx="1353561" cy="2623229"/>
+              <a:chOff x="699227" y="4415282"/>
+              <a:chExt cx="1353561" cy="2623229"/>
+            </a:xfrm>
+          </p:grpSpPr>
+          <p:grpSp>
+            <p:nvGrpSpPr>
+              <p:cNvPr id="100" name="Csoportba foglalás 99">
+                <a:extLst>
+                  <a:ext uri="{FF2B5EF4-FFF2-40B4-BE49-F238E27FC236}">
+                    <a16:creationId xmlns:a16="http://schemas.microsoft.com/office/drawing/2014/main" id="{AA8CD721-6EED-4483-B730-F90592A9F984}"/>
+                  </a:ext>
+                </a:extLst>
+              </p:cNvPr>
+              <p:cNvGrpSpPr/>
+              <p:nvPr/>
+            </p:nvGrpSpPr>
+            <p:grpSpPr>
+              <a:xfrm>
+                <a:off x="1035865" y="4415282"/>
+                <a:ext cx="1016923" cy="2231782"/>
+                <a:chOff x="1035865" y="4415282"/>
+                <a:chExt cx="1016923" cy="2231782"/>
+              </a:xfrm>
+            </p:grpSpPr>
+            <p:sp>
+              <p:nvSpPr>
+                <p:cNvPr id="102" name="Téglalap 101">
+                  <a:extLst>
+                    <a:ext uri="{FF2B5EF4-FFF2-40B4-BE49-F238E27FC236}">
+                      <a16:creationId xmlns:a16="http://schemas.microsoft.com/office/drawing/2014/main" id="{92991F46-9C94-4780-85C8-FA0C94E8FAF2}"/>
+                    </a:ext>
+                  </a:extLst>
+                </p:cNvPr>
+                <p:cNvSpPr/>
+                <p:nvPr/>
+              </p:nvSpPr>
+              <p:spPr>
+                <a:xfrm rot="1179234">
+                  <a:off x="1035865" y="5781456"/>
+                  <a:ext cx="246752" cy="865608"/>
+                </a:xfrm>
+                <a:prstGeom prst="rect">
+                  <a:avLst/>
+                </a:prstGeom>
+                <a:solidFill>
+                  <a:srgbClr val="CCCCCC"/>
+                </a:solidFill>
+                <a:ln w="38100">
+                  <a:solidFill>
+                    <a:schemeClr val="tx1"/>
+                  </a:solidFill>
+                </a:ln>
+              </p:spPr>
+              <p:style>
+                <a:lnRef idx="2">
+                  <a:schemeClr val="accent1">
+                    <a:shade val="50000"/>
+                  </a:schemeClr>
+                </a:lnRef>
+                <a:fillRef idx="1">
+                  <a:schemeClr val="accent1"/>
+                </a:fillRef>
+                <a:effectRef idx="0">
+                  <a:schemeClr val="accent1"/>
+                </a:effectRef>
+                <a:fontRef idx="minor">
+                  <a:schemeClr val="lt1"/>
+                </a:fontRef>
+              </p:style>
+              <p:txBody>
+                <a:bodyPr rtlCol="0" anchor="ctr"/>
+                <a:lstStyle/>
+                <a:p>
+                  <a:pPr algn="ctr"/>
+                  <a:endParaRPr lang="hu-HU"/>
+                </a:p>
+              </p:txBody>
+            </p:sp>
+            <p:sp>
+              <p:nvSpPr>
+                <p:cNvPr id="103" name="Téglalap 102">
+                  <a:extLst>
+                    <a:ext uri="{FF2B5EF4-FFF2-40B4-BE49-F238E27FC236}">
+                      <a16:creationId xmlns:a16="http://schemas.microsoft.com/office/drawing/2014/main" id="{293CB8A9-4957-4683-B8F2-BB03B206E40F}"/>
+                    </a:ext>
+                  </a:extLst>
+                </p:cNvPr>
+                <p:cNvSpPr/>
+                <p:nvPr/>
+              </p:nvSpPr>
+              <p:spPr>
+                <a:xfrm rot="1179234">
+                  <a:off x="1234492" y="5061735"/>
+                  <a:ext cx="378612" cy="823541"/>
+                </a:xfrm>
+                <a:prstGeom prst="rect">
+                  <a:avLst/>
+                </a:prstGeom>
+                <a:solidFill>
+                  <a:srgbClr val="CCCCCC"/>
+                </a:solidFill>
+                <a:ln w="38100">
+                  <a:solidFill>
+                    <a:schemeClr val="tx1"/>
+                  </a:solidFill>
+                </a:ln>
+              </p:spPr>
+              <p:style>
+                <a:lnRef idx="2">
+                  <a:schemeClr val="accent1">
+                    <a:shade val="50000"/>
+                  </a:schemeClr>
+                </a:lnRef>
+                <a:fillRef idx="1">
+                  <a:schemeClr val="accent1"/>
+                </a:fillRef>
+                <a:effectRef idx="0">
+                  <a:schemeClr val="accent1"/>
+                </a:effectRef>
+                <a:fontRef idx="minor">
+                  <a:schemeClr val="lt1"/>
+                </a:fontRef>
+              </p:style>
+              <p:txBody>
+                <a:bodyPr rtlCol="0" anchor="ctr"/>
+                <a:lstStyle/>
+                <a:p>
+                  <a:pPr algn="ctr"/>
+                  <a:endParaRPr lang="hu-HU"/>
+                </a:p>
+              </p:txBody>
+            </p:sp>
+            <p:sp>
+              <p:nvSpPr>
+                <p:cNvPr id="104" name="Ellipszis 103">
+                  <a:extLst>
+                    <a:ext uri="{FF2B5EF4-FFF2-40B4-BE49-F238E27FC236}">
+                      <a16:creationId xmlns:a16="http://schemas.microsoft.com/office/drawing/2014/main" id="{15D37745-31A3-47B2-AFF5-AF61E09C6704}"/>
+                    </a:ext>
+                  </a:extLst>
+                </p:cNvPr>
+                <p:cNvSpPr/>
+                <p:nvPr/>
+              </p:nvSpPr>
+              <p:spPr>
+                <a:xfrm rot="1179234">
+                  <a:off x="1271738" y="4415282"/>
+                  <a:ext cx="781050" cy="781050"/>
+                </a:xfrm>
+                <a:prstGeom prst="ellipse">
+                  <a:avLst/>
+                </a:prstGeom>
+                <a:solidFill>
+                  <a:srgbClr val="CCCCCC"/>
+                </a:solidFill>
+                <a:ln w="38100">
+                  <a:solidFill>
+                    <a:schemeClr val="tx1"/>
+                  </a:solidFill>
+                </a:ln>
+              </p:spPr>
+              <p:style>
+                <a:lnRef idx="2">
+                  <a:schemeClr val="accent1">
+                    <a:shade val="50000"/>
+                  </a:schemeClr>
+                </a:lnRef>
+                <a:fillRef idx="1">
+                  <a:schemeClr val="accent1"/>
+                </a:fillRef>
+                <a:effectRef idx="0">
+                  <a:schemeClr val="accent1"/>
+                </a:effectRef>
+                <a:fontRef idx="minor">
+                  <a:schemeClr val="lt1"/>
+                </a:fontRef>
+              </p:style>
+              <p:txBody>
+                <a:bodyPr rtlCol="0" anchor="ctr"/>
+                <a:lstStyle/>
+                <a:p>
+                  <a:pPr algn="ctr"/>
+                  <a:endParaRPr lang="hu-HU"/>
+                </a:p>
+              </p:txBody>
+            </p:sp>
+          </p:grpSp>
+          <p:sp>
+            <p:nvSpPr>
+              <p:cNvPr id="101" name="Szabadkézi sokszög: alakzat 100">
+                <a:extLst>
+                  <a:ext uri="{FF2B5EF4-FFF2-40B4-BE49-F238E27FC236}">
+                    <a16:creationId xmlns:a16="http://schemas.microsoft.com/office/drawing/2014/main" id="{DD0A77F5-BBD7-4CA3-9478-10F4528DB287}"/>
+                  </a:ext>
+                </a:extLst>
+              </p:cNvPr>
+              <p:cNvSpPr/>
+              <p:nvPr/>
+            </p:nvSpPr>
+            <p:spPr>
+              <a:xfrm rot="5400000">
+                <a:off x="706144" y="6526121"/>
+                <a:ext cx="505473" cy="519308"/>
+              </a:xfrm>
+              <a:custGeom>
+                <a:avLst/>
+                <a:gdLst>
+                  <a:gd name="connsiteX0" fmla="*/ 390525 w 760242"/>
+                  <a:gd name="connsiteY0" fmla="*/ 0 h 781050"/>
+                  <a:gd name="connsiteX1" fmla="*/ 750361 w 760242"/>
+                  <a:gd name="connsiteY1" fmla="*/ 238515 h 781050"/>
+                  <a:gd name="connsiteX2" fmla="*/ 760242 w 760242"/>
+                  <a:gd name="connsiteY2" fmla="*/ 270347 h 781050"/>
+                  <a:gd name="connsiteX3" fmla="*/ 390525 w 760242"/>
+                  <a:gd name="connsiteY3" fmla="*/ 270347 h 781050"/>
+                  <a:gd name="connsiteX4" fmla="*/ 390525 w 760242"/>
+                  <a:gd name="connsiteY4" fmla="*/ 510702 h 781050"/>
+                  <a:gd name="connsiteX5" fmla="*/ 760242 w 760242"/>
+                  <a:gd name="connsiteY5" fmla="*/ 510702 h 781050"/>
+                  <a:gd name="connsiteX6" fmla="*/ 750361 w 760242"/>
+                  <a:gd name="connsiteY6" fmla="*/ 542535 h 781050"/>
+                  <a:gd name="connsiteX7" fmla="*/ 390525 w 760242"/>
+                  <a:gd name="connsiteY7" fmla="*/ 781050 h 781050"/>
+                  <a:gd name="connsiteX8" fmla="*/ 0 w 760242"/>
+                  <a:gd name="connsiteY8" fmla="*/ 390525 h 781050"/>
+                  <a:gd name="connsiteX9" fmla="*/ 390525 w 760242"/>
+                  <a:gd name="connsiteY9" fmla="*/ 0 h 781050"/>
+                </a:gdLst>
+                <a:ahLst/>
+                <a:cxnLst>
+                  <a:cxn ang="0">
+                    <a:pos x="connsiteX0" y="connsiteY0"/>
+                  </a:cxn>
+                  <a:cxn ang="0">
+                    <a:pos x="connsiteX1" y="connsiteY1"/>
+                  </a:cxn>
+                  <a:cxn ang="0">
+                    <a:pos x="connsiteX2" y="connsiteY2"/>
+                  </a:cxn>
+                  <a:cxn ang="0">
+                    <a:pos x="connsiteX3" y="connsiteY3"/>
+                  </a:cxn>
+                  <a:cxn ang="0">
+                    <a:pos x="connsiteX4" y="connsiteY4"/>
+                  </a:cxn>
+                  <a:cxn ang="0">
+                    <a:pos x="connsiteX5" y="connsiteY5"/>
+                  </a:cxn>
+                  <a:cxn ang="0">
+                    <a:pos x="connsiteX6" y="connsiteY6"/>
+                  </a:cxn>
+                  <a:cxn ang="0">
+                    <a:pos x="connsiteX7" y="connsiteY7"/>
+                  </a:cxn>
+                  <a:cxn ang="0">
+                    <a:pos x="connsiteX8" y="connsiteY8"/>
+                  </a:cxn>
+                  <a:cxn ang="0">
+                    <a:pos x="connsiteX9" y="connsiteY9"/>
+                  </a:cxn>
+                </a:cxnLst>
+                <a:rect l="l" t="t" r="r" b="b"/>
+                <a:pathLst>
+                  <a:path w="760242" h="781050">
+                    <a:moveTo>
+                      <a:pt x="390525" y="0"/>
+                    </a:moveTo>
+                    <a:cubicBezTo>
+                      <a:pt x="552286" y="0"/>
+                      <a:pt x="691076" y="98350"/>
+                      <a:pt x="750361" y="238515"/>
+                    </a:cubicBezTo>
+                    <a:lnTo>
+                      <a:pt x="760242" y="270347"/>
+                    </a:lnTo>
+                    <a:lnTo>
+                      <a:pt x="390525" y="270347"/>
+                    </a:lnTo>
+                    <a:lnTo>
+                      <a:pt x="390525" y="510702"/>
+                    </a:lnTo>
+                    <a:lnTo>
+                      <a:pt x="760242" y="510702"/>
+                    </a:lnTo>
+                    <a:lnTo>
+                      <a:pt x="750361" y="542535"/>
+                    </a:lnTo>
+                    <a:cubicBezTo>
+                      <a:pt x="691076" y="682701"/>
+                      <a:pt x="552286" y="781050"/>
+                      <a:pt x="390525" y="781050"/>
+                    </a:cubicBezTo>
+                    <a:cubicBezTo>
+                      <a:pt x="174844" y="781050"/>
+                      <a:pt x="0" y="606206"/>
+                      <a:pt x="0" y="390525"/>
+                    </a:cubicBezTo>
+                    <a:cubicBezTo>
+                      <a:pt x="0" y="174844"/>
+                      <a:pt x="174844" y="0"/>
+                      <a:pt x="390525" y="0"/>
+                    </a:cubicBezTo>
+                    <a:close/>
+                  </a:path>
+                </a:pathLst>
+              </a:custGeom>
+              <a:solidFill>
+                <a:srgbClr val="CCCCCC"/>
+              </a:solidFill>
+              <a:ln w="38100">
+                <a:solidFill>
+                  <a:schemeClr val="tx1"/>
+                </a:solidFill>
+              </a:ln>
+            </p:spPr>
+            <p:style>
+              <a:lnRef idx="2">
+                <a:schemeClr val="accent1">
+                  <a:shade val="50000"/>
+                </a:schemeClr>
+              </a:lnRef>
+              <a:fillRef idx="1">
+                <a:schemeClr val="accent1"/>
+              </a:fillRef>
+              <a:effectRef idx="0">
+                <a:schemeClr val="accent1"/>
+              </a:effectRef>
+              <a:fontRef idx="minor">
+                <a:schemeClr val="lt1"/>
+              </a:fontRef>
+            </p:style>
+            <p:txBody>
+              <a:bodyPr rtlCol="0" anchor="ctr"/>
+              <a:lstStyle/>
+              <a:p>
+                <a:pPr algn="ctr"/>
+                <a:endParaRPr lang="hu-HU"/>
+              </a:p>
+            </p:txBody>
+          </p:sp>
+        </p:grpSp>
+        <p:sp>
+          <p:nvSpPr>
+            <p:cNvPr id="4" name="Téglalap 3">
+              <a:extLst>
+                <a:ext uri="{FF2B5EF4-FFF2-40B4-BE49-F238E27FC236}">
+                  <a16:creationId xmlns:a16="http://schemas.microsoft.com/office/drawing/2014/main" id="{D3C7F9A0-005E-4020-B582-26F6ADB8380A}"/>
+                </a:ext>
+              </a:extLst>
+            </p:cNvPr>
+            <p:cNvSpPr/>
+            <p:nvPr/>
+          </p:nvSpPr>
+          <p:spPr>
+            <a:xfrm>
+              <a:off x="1733995" y="4685526"/>
+              <a:ext cx="2677226" cy="2058865"/>
+            </a:xfrm>
+            <a:prstGeom prst="rect">
+              <a:avLst/>
+            </a:prstGeom>
+            <a:solidFill>
+              <a:srgbClr val="CCCCCC"/>
+            </a:solidFill>
+            <a:ln w="38100">
+              <a:solidFill>
+                <a:schemeClr val="tx1"/>
+              </a:solidFill>
+            </a:ln>
+          </p:spPr>
+          <p:style>
+            <a:lnRef idx="2">
+              <a:schemeClr val="accent1">
+                <a:shade val="50000"/>
+              </a:schemeClr>
+            </a:lnRef>
+            <a:fillRef idx="1">
+              <a:schemeClr val="accent1"/>
+            </a:fillRef>
+            <a:effectRef idx="0">
+              <a:schemeClr val="accent1"/>
+            </a:effectRef>
+            <a:fontRef idx="minor">
+              <a:schemeClr val="lt1"/>
+            </a:fontRef>
+          </p:style>
+          <p:txBody>
+            <a:bodyPr rtlCol="0" anchor="ctr"/>
+            <a:lstStyle/>
+            <a:p>
+              <a:pPr algn="ctr"/>
+              <a:endParaRPr lang="hu-HU"/>
+            </a:p>
+          </p:txBody>
+        </p:sp>
+        <p:grpSp>
+          <p:nvGrpSpPr>
+            <p:cNvPr id="111" name="Csoportba foglalás 110">
+              <a:extLst>
+                <a:ext uri="{FF2B5EF4-FFF2-40B4-BE49-F238E27FC236}">
+                  <a16:creationId xmlns:a16="http://schemas.microsoft.com/office/drawing/2014/main" id="{3A4804C0-5146-4B02-BDBF-85B38B22BD02}"/>
+                </a:ext>
+              </a:extLst>
+            </p:cNvPr>
+            <p:cNvGrpSpPr/>
+            <p:nvPr/>
+          </p:nvGrpSpPr>
+          <p:grpSpPr>
+            <a:xfrm>
+              <a:off x="1945885" y="4924535"/>
+              <a:ext cx="2253446" cy="1650013"/>
+              <a:chOff x="1953070" y="4924535"/>
+              <a:chExt cx="2253446" cy="1650013"/>
+            </a:xfrm>
+          </p:grpSpPr>
+          <p:sp>
+            <p:nvSpPr>
+              <p:cNvPr id="76" name="Téglalap: lekerekített 75">
+                <a:extLst>
+                  <a:ext uri="{FF2B5EF4-FFF2-40B4-BE49-F238E27FC236}">
+                    <a16:creationId xmlns:a16="http://schemas.microsoft.com/office/drawing/2014/main" id="{4D9A849B-7BC3-4A8F-AE7B-0140F584BB0A}"/>
+                  </a:ext>
+                </a:extLst>
+              </p:cNvPr>
+              <p:cNvSpPr/>
+              <p:nvPr/>
+            </p:nvSpPr>
+            <p:spPr>
+              <a:xfrm>
+                <a:off x="1953070" y="4924535"/>
+                <a:ext cx="2253446" cy="1650013"/>
+              </a:xfrm>
+              <a:prstGeom prst="roundRect">
+                <a:avLst/>
+              </a:prstGeom>
+              <a:solidFill>
+                <a:schemeClr val="bg1"/>
+              </a:solidFill>
+              <a:ln w="38100">
+                <a:solidFill>
+                  <a:schemeClr val="tx1"/>
+                </a:solidFill>
+              </a:ln>
+            </p:spPr>
+            <p:style>
+              <a:lnRef idx="2">
+                <a:schemeClr val="accent1">
+                  <a:shade val="50000"/>
+                </a:schemeClr>
+              </a:lnRef>
+              <a:fillRef idx="1">
+                <a:schemeClr val="accent1"/>
+              </a:fillRef>
+              <a:effectRef idx="0">
+                <a:schemeClr val="accent1"/>
+              </a:effectRef>
+              <a:fontRef idx="minor">
+                <a:schemeClr val="lt1"/>
+              </a:fontRef>
+            </p:style>
+            <p:txBody>
+              <a:bodyPr rtlCol="0" anchor="ctr"/>
+              <a:lstStyle/>
+              <a:p>
+                <a:pPr algn="ctr"/>
+                <a:endParaRPr lang="hu-HU"/>
+              </a:p>
+            </p:txBody>
+          </p:sp>
+          <p:pic>
+            <p:nvPicPr>
+              <p:cNvPr id="105" name="Ábra 104">
+                <a:extLst>
+                  <a:ext uri="{FF2B5EF4-FFF2-40B4-BE49-F238E27FC236}">
+                    <a16:creationId xmlns:a16="http://schemas.microsoft.com/office/drawing/2014/main" id="{292D6CAF-F23F-4863-BFED-CE2E713E71D5}"/>
+                  </a:ext>
+                </a:extLst>
+              </p:cNvPr>
+              <p:cNvPicPr>
+                <a:picLocks noChangeAspect="1"/>
+              </p:cNvPicPr>
+              <p:nvPr/>
+            </p:nvPicPr>
+            <p:blipFill>
+              <a:blip r:embed="rId3">
+                <a:extLst>
+                  <a:ext uri="{28A0092B-C50C-407E-A947-70E740481C1C}">
+                    <a14:useLocalDpi xmlns:a14="http://schemas.microsoft.com/office/drawing/2010/main" val="0"/>
+                  </a:ext>
+                  <a:ext uri="{96DAC541-7B7A-43D3-8B79-37D633B846F1}">
+                    <asvg:svgBlip xmlns:asvg="http://schemas.microsoft.com/office/drawing/2016/SVG/main" r:embed="rId4"/>
+                  </a:ext>
+                </a:extLst>
+              </a:blip>
+              <a:stretch>
+                <a:fillRect/>
+              </a:stretch>
+            </p:blipFill>
+            <p:spPr>
+              <a:xfrm>
+                <a:off x="1969193" y="5189162"/>
+                <a:ext cx="2221200" cy="1120758"/>
+              </a:xfrm>
+              <a:prstGeom prst="rect">
+                <a:avLst/>
+              </a:prstGeom>
+            </p:spPr>
+          </p:pic>
+          <p:sp>
+            <p:nvSpPr>
+              <p:cNvPr id="110" name="Téglalap: lekerekített 109">
+                <a:extLst>
+                  <a:ext uri="{FF2B5EF4-FFF2-40B4-BE49-F238E27FC236}">
+                    <a16:creationId xmlns:a16="http://schemas.microsoft.com/office/drawing/2014/main" id="{CB89905C-DB88-4798-8676-B830952A0583}"/>
+                  </a:ext>
+                </a:extLst>
+              </p:cNvPr>
+              <p:cNvSpPr/>
+              <p:nvPr/>
+            </p:nvSpPr>
+            <p:spPr>
+              <a:xfrm>
+                <a:off x="1953070" y="4924535"/>
+                <a:ext cx="2253446" cy="1650013"/>
+              </a:xfrm>
+              <a:prstGeom prst="roundRect">
+                <a:avLst/>
+              </a:prstGeom>
+              <a:noFill/>
+              <a:ln w="38100">
+                <a:solidFill>
+                  <a:schemeClr val="tx1"/>
+                </a:solidFill>
+              </a:ln>
+            </p:spPr>
+            <p:style>
+              <a:lnRef idx="2">
+                <a:schemeClr val="accent1">
+                  <a:shade val="50000"/>
+                </a:schemeClr>
+              </a:lnRef>
+              <a:fillRef idx="1">
+                <a:schemeClr val="accent1"/>
+              </a:fillRef>
+              <a:effectRef idx="0">
+                <a:schemeClr val="accent1"/>
+              </a:effectRef>
+              <a:fontRef idx="minor">
+                <a:schemeClr val="lt1"/>
+              </a:fontRef>
+            </p:style>
+            <p:txBody>
+              <a:bodyPr rtlCol="0" anchor="ctr"/>
+              <a:lstStyle/>
+              <a:p>
+                <a:pPr algn="ctr"/>
+                <a:endParaRPr lang="hu-HU"/>
+              </a:p>
+            </p:txBody>
+          </p:sp>
+        </p:grpSp>
       </p:grpSp>
     </p:spTree>
     <p:extLst>
       <p:ext uri="{BB962C8B-B14F-4D97-AF65-F5344CB8AC3E}">
-        <p14:creationId xmlns:p14="http://schemas.microsoft.com/office/powerpoint/2010/main" val="2340851305"/>
-      </p:ext>
-    </p:extLst>
-  </p:cSld>
-  <p:clrMapOvr>
-    <a:masterClrMapping/>
-  </p:clrMapOvr>
-</p:sld>
-</file>
-
-<file path=ppt/slides/slide2.xml><?xml version="1.0" encoding="utf-8"?>
-<p:sld xmlns:a="http://schemas.openxmlformats.org/drawingml/2006/main" xmlns:r="http://schemas.openxmlformats.org/officeDocument/2006/relationships" xmlns:p="http://schemas.openxmlformats.org/presentationml/2006/main">
-  <p:cSld>
-    <p:bg>
-      <p:bgPr>
-        <a:blipFill dpi="0" rotWithShape="1">
-          <a:blip r:embed="rId2">
-            <a:alphaModFix amt="36000"/>
-            <a:lum/>
-          </a:blip>
-          <a:srcRect/>
-          <a:stretch>
-            <a:fillRect/>
-          </a:stretch>
-        </a:blipFill>
-        <a:effectLst/>
-      </p:bgPr>
-    </p:bg>
-    <p:spTree>
-      <p:nvGrpSpPr>
-        <p:cNvPr id="1" name=""/>
-        <p:cNvGrpSpPr/>
-        <p:nvPr/>
-      </p:nvGrpSpPr>
-      <p:grpSpPr>
-        <a:xfrm>
-          <a:off x="0" y="0"/>
-          <a:ext cx="0" cy="0"/>
-          <a:chOff x="0" y="0"/>
-          <a:chExt cx="0" cy="0"/>
-        </a:xfrm>
-      </p:grpSpPr>
-      <p:sp>
-        <p:nvSpPr>
-          <p:cNvPr id="9" name="Téglalap: lekerekített 8">
-            <a:extLst>
-              <a:ext uri="{FF2B5EF4-FFF2-40B4-BE49-F238E27FC236}">
-                <a16:creationId xmlns:a16="http://schemas.microsoft.com/office/drawing/2014/main" id="{DD2306C0-A5B8-42A4-9779-63BFCEE6D608}"/>
-              </a:ext>
-            </a:extLst>
-          </p:cNvPr>
-          <p:cNvSpPr/>
-          <p:nvPr/>
-        </p:nvSpPr>
-        <p:spPr>
-          <a:xfrm>
-            <a:off x="1259906" y="1938565"/>
-            <a:ext cx="3600000" cy="2077200"/>
-          </a:xfrm>
-          <a:prstGeom prst="roundRect">
-            <a:avLst/>
-          </a:prstGeom>
-          <a:solidFill>
-            <a:srgbClr val="CCCCCC"/>
-          </a:solidFill>
-          <a:ln w="38100">
-            <a:solidFill>
-              <a:schemeClr val="tx1"/>
-            </a:solidFill>
-          </a:ln>
-        </p:spPr>
-        <p:style>
-          <a:lnRef idx="2">
-            <a:schemeClr val="accent1">
-              <a:shade val="50000"/>
-            </a:schemeClr>
-          </a:lnRef>
-          <a:fillRef idx="1">
-            <a:schemeClr val="accent1"/>
-          </a:fillRef>
-          <a:effectRef idx="0">
-            <a:schemeClr val="accent1"/>
-          </a:effectRef>
-          <a:fontRef idx="minor">
-            <a:schemeClr val="lt1"/>
-          </a:fontRef>
-        </p:style>
-        <p:txBody>
-          <a:bodyPr rtlCol="0" anchor="ctr"/>
-          <a:lstStyle/>
-          <a:p>
-            <a:pPr algn="ctr"/>
-            <a:endParaRPr lang="hu-HU"/>
-          </a:p>
-        </p:txBody>
-      </p:sp>
-    </p:spTree>
-    <p:extLst>
-      <p:ext uri="{BB962C8B-B14F-4D97-AF65-F5344CB8AC3E}">
         <p14:creationId xmlns:p14="http://schemas.microsoft.com/office/powerpoint/2010/main" val="2837962588"/>
-      </p:ext>
-    </p:extLst>
-  </p:cSld>
-  <p:clrMapOvr>
-    <a:masterClrMapping/>
-  </p:clrMapOvr>
-</p:sld>
-</file>
-
-<file path=ppt/slides/slide3.xml><?xml version="1.0" encoding="utf-8"?>
-<p:sld xmlns:a="http://schemas.openxmlformats.org/drawingml/2006/main" xmlns:r="http://schemas.openxmlformats.org/officeDocument/2006/relationships" xmlns:p="http://schemas.openxmlformats.org/presentationml/2006/main">
-  <p:cSld>
-    <p:bg>
-      <p:bgPr>
-        <a:blipFill dpi="0" rotWithShape="1">
-          <a:blip r:embed="rId2">
-            <a:alphaModFix amt="36000"/>
-            <a:lum/>
-          </a:blip>
-          <a:srcRect/>
-          <a:stretch>
-            <a:fillRect/>
-          </a:stretch>
-        </a:blipFill>
-        <a:effectLst/>
-      </p:bgPr>
-    </p:bg>
-    <p:spTree>
-      <p:nvGrpSpPr>
-        <p:cNvPr id="1" name=""/>
-        <p:cNvGrpSpPr/>
-        <p:nvPr/>
-      </p:nvGrpSpPr>
-      <p:grpSpPr>
-        <a:xfrm>
-          <a:off x="0" y="0"/>
-          <a:ext cx="0" cy="0"/>
-          <a:chOff x="0" y="0"/>
-          <a:chExt cx="0" cy="0"/>
-        </a:xfrm>
-      </p:grpSpPr>
-      <p:sp>
-        <p:nvSpPr>
-          <p:cNvPr id="7" name="Téglalap 6">
-            <a:extLst>
-              <a:ext uri="{FF2B5EF4-FFF2-40B4-BE49-F238E27FC236}">
-                <a16:creationId xmlns:a16="http://schemas.microsoft.com/office/drawing/2014/main" id="{4BFCFC8F-3EB0-4A18-8698-734BCE3B905C}"/>
-              </a:ext>
-            </a:extLst>
-          </p:cNvPr>
-          <p:cNvSpPr/>
-          <p:nvPr/>
-        </p:nvSpPr>
-        <p:spPr>
-          <a:xfrm>
-            <a:off x="-187" y="263"/>
-            <a:ext cx="6120000" cy="9720000"/>
-          </a:xfrm>
-          <a:prstGeom prst="rect">
-            <a:avLst/>
-          </a:prstGeom>
-          <a:solidFill>
-            <a:schemeClr val="bg1"/>
-          </a:solidFill>
-          <a:ln w="38100">
-            <a:solidFill>
-              <a:schemeClr val="tx1"/>
-            </a:solidFill>
-          </a:ln>
-        </p:spPr>
-        <p:style>
-          <a:lnRef idx="2">
-            <a:schemeClr val="accent1">
-              <a:shade val="50000"/>
-            </a:schemeClr>
-          </a:lnRef>
-          <a:fillRef idx="1">
-            <a:schemeClr val="accent1"/>
-          </a:fillRef>
-          <a:effectRef idx="0">
-            <a:schemeClr val="accent1"/>
-          </a:effectRef>
-          <a:fontRef idx="minor">
-            <a:schemeClr val="lt1"/>
-          </a:fontRef>
-        </p:style>
-        <p:txBody>
-          <a:bodyPr rtlCol="0" anchor="ctr"/>
-          <a:lstStyle/>
-          <a:p>
-            <a:pPr algn="ctr"/>
-            <a:endParaRPr lang="hu-HU"/>
-          </a:p>
-        </p:txBody>
-      </p:sp>
-    </p:spTree>
-    <p:extLst>
-      <p:ext uri="{BB962C8B-B14F-4D97-AF65-F5344CB8AC3E}">
-        <p14:creationId xmlns:p14="http://schemas.microsoft.com/office/powerpoint/2010/main" val="2079256755"/>
       </p:ext>
     </p:extLst>
   </p:cSld>
@@ -3857,6 +6640,23 @@
 </file>
 
 <file path=customXml/item1.xml><?xml version="1.0" encoding="utf-8"?>
+<p:properties xmlns:p="http://schemas.microsoft.com/office/2006/metadata/properties" xmlns:xsi="http://www.w3.org/2001/XMLSchema-instance" xmlns:pc="http://schemas.microsoft.com/office/infopath/2007/PartnerControls">
+  <documentManagement>
+    <_activity xmlns="84647b37-4f80-4447-b526-19b3eac6576c" xsi:nil="true"/>
+  </documentManagement>
+</p:properties>
+</file>
+
+<file path=customXml/item2.xml><?xml version="1.0" encoding="utf-8"?>
+<?mso-contentType ?>
+<FormTemplates xmlns="http://schemas.microsoft.com/sharepoint/v3/contenttype/forms">
+  <Display>DocumentLibraryForm</Display>
+  <Edit>DocumentLibraryForm</Edit>
+  <New>DocumentLibraryForm</New>
+</FormTemplates>
+</file>
+
+<file path=customXml/item3.xml><?xml version="1.0" encoding="utf-8"?>
 <ct:contentTypeSchema xmlns:ct="http://schemas.microsoft.com/office/2006/metadata/contentType" xmlns:ma="http://schemas.microsoft.com/office/2006/metadata/properties/metaAttributes" ct:_="" ma:_="" ma:contentTypeName="Dokumentum" ma:contentTypeID="0x0101009AE82BD902A47644A5E4D56DF3CCA1E9" ma:contentTypeVersion="14" ma:contentTypeDescription="Új dokumentum létrehozása." ma:contentTypeScope="" ma:versionID="89a30292f1634b84b35d6b5d832e547e">
   <xsd:schema xmlns:xsd="http://www.w3.org/2001/XMLSchema" xmlns:xs="http://www.w3.org/2001/XMLSchema" xmlns:p="http://schemas.microsoft.com/office/2006/metadata/properties" xmlns:ns3="84647b37-4f80-4447-b526-19b3eac6576c" xmlns:ns4="7ac5ad9a-cf71-4940-a596-ba9893dcab86" targetNamespace="http://schemas.microsoft.com/office/2006/metadata/properties" ma:root="true" ma:fieldsID="41c2947693ae83952484f82e0fd71fe5" ns3:_="" ns4:_="">
     <xsd:import namespace="84647b37-4f80-4447-b526-19b3eac6576c"/>
@@ -4083,24 +6883,32 @@
 </ct:contentTypeSchema>
 </file>
 
-<file path=customXml/item2.xml><?xml version="1.0" encoding="utf-8"?>
-<?mso-contentType ?>
-<FormTemplates xmlns="http://schemas.microsoft.com/sharepoint/v3/contenttype/forms">
-  <Display>DocumentLibraryForm</Display>
-  <Edit>DocumentLibraryForm</Edit>
-  <New>DocumentLibraryForm</New>
-</FormTemplates>
+<file path=customXml/itemProps1.xml><?xml version="1.0" encoding="utf-8"?>
+<ds:datastoreItem xmlns:ds="http://schemas.openxmlformats.org/officeDocument/2006/customXml" ds:itemID="{0D463C39-F04C-4467-B62E-3377970E8B19}">
+  <ds:schemaRefs>
+    <ds:schemaRef ds:uri="7ac5ad9a-cf71-4940-a596-ba9893dcab86"/>
+    <ds:schemaRef ds:uri="http://schemas.microsoft.com/office/infopath/2007/PartnerControls"/>
+    <ds:schemaRef ds:uri="http://purl.org/dc/elements/1.1/"/>
+    <ds:schemaRef ds:uri="84647b37-4f80-4447-b526-19b3eac6576c"/>
+    <ds:schemaRef ds:uri="http://schemas.microsoft.com/office/2006/documentManagement/types"/>
+    <ds:schemaRef ds:uri="http://www.w3.org/XML/1998/namespace"/>
+    <ds:schemaRef ds:uri="http://schemas.openxmlformats.org/package/2006/metadata/core-properties"/>
+    <ds:schemaRef ds:uri="http://schemas.microsoft.com/office/2006/metadata/properties"/>
+    <ds:schemaRef ds:uri="http://purl.org/dc/dcmitype/"/>
+    <ds:schemaRef ds:uri="http://purl.org/dc/terms/"/>
+  </ds:schemaRefs>
+</ds:datastoreItem>
 </file>
 
-<file path=customXml/item3.xml><?xml version="1.0" encoding="utf-8"?>
-<p:properties xmlns:p="http://schemas.microsoft.com/office/2006/metadata/properties" xmlns:xsi="http://www.w3.org/2001/XMLSchema-instance" xmlns:pc="http://schemas.microsoft.com/office/infopath/2007/PartnerControls">
-  <documentManagement>
-    <_activity xmlns="84647b37-4f80-4447-b526-19b3eac6576c" xsi:nil="true"/>
-  </documentManagement>
-</p:properties>
+<file path=customXml/itemProps2.xml><?xml version="1.0" encoding="utf-8"?>
+<ds:datastoreItem xmlns:ds="http://schemas.openxmlformats.org/officeDocument/2006/customXml" ds:itemID="{70540B4D-EA6D-41D1-9963-5E06F43B8168}">
+  <ds:schemaRefs>
+    <ds:schemaRef ds:uri="http://schemas.microsoft.com/sharepoint/v3/contenttype/forms"/>
+  </ds:schemaRefs>
+</ds:datastoreItem>
 </file>
 
-<file path=customXml/itemProps1.xml><?xml version="1.0" encoding="utf-8"?>
+<file path=customXml/itemProps3.xml><?xml version="1.0" encoding="utf-8"?>
 <ds:datastoreItem xmlns:ds="http://schemas.openxmlformats.org/officeDocument/2006/customXml" ds:itemID="{D1ABD1B3-C21C-4A16-A874-2F78287CC7EA}">
   <ds:schemaRefs>
     <ds:schemaRef ds:uri="http://schemas.microsoft.com/office/2006/metadata/contentType"/>
@@ -4117,29 +6925,4 @@
     <ds:schemaRef ds:uri="http://schemas.microsoft.com/internal/obd"/>
   </ds:schemaRefs>
 </ds:datastoreItem>
-</file>
-
-<file path=customXml/itemProps2.xml><?xml version="1.0" encoding="utf-8"?>
-<ds:datastoreItem xmlns:ds="http://schemas.openxmlformats.org/officeDocument/2006/customXml" ds:itemID="{70540B4D-EA6D-41D1-9963-5E06F43B8168}">
-  <ds:schemaRefs>
-    <ds:schemaRef ds:uri="http://schemas.microsoft.com/sharepoint/v3/contenttype/forms"/>
-  </ds:schemaRefs>
-</ds:datastoreItem>
-</file>
-
-<file path=customXml/itemProps3.xml><?xml version="1.0" encoding="utf-8"?>
-<ds:datastoreItem xmlns:ds="http://schemas.openxmlformats.org/officeDocument/2006/customXml" ds:itemID="{0D463C39-F04C-4467-B62E-3377970E8B19}">
-  <ds:schemaRefs>
-    <ds:schemaRef ds:uri="http://schemas.microsoft.com/office/2006/metadata/properties"/>
-    <ds:schemaRef ds:uri="http://schemas.microsoft.com/office/2006/documentManagement/types"/>
-    <ds:schemaRef ds:uri="84647b37-4f80-4447-b526-19b3eac6576c"/>
-    <ds:schemaRef ds:uri="7ac5ad9a-cf71-4940-a596-ba9893dcab86"/>
-    <ds:schemaRef ds:uri="http://schemas.openxmlformats.org/package/2006/metadata/core-properties"/>
-    <ds:schemaRef ds:uri="http://purl.org/dc/terms/"/>
-    <ds:schemaRef ds:uri="http://purl.org/dc/elements/1.1/"/>
-    <ds:schemaRef ds:uri="http://purl.org/dc/dcmitype/"/>
-    <ds:schemaRef ds:uri="http://www.w3.org/XML/1998/namespace"/>
-    <ds:schemaRef ds:uri="http://schemas.microsoft.com/office/infopath/2007/PartnerControls"/>
-  </ds:schemaRefs>
-</ds:datastoreItem>
 </file>